--- a/統整簡報/20230924/cnn.pptx
+++ b/統整簡報/20230924/cnn.pptx
@@ -5,22 +5,26 @@
     <p:sldMasterId id="2147483648" r:id="rId1"/>
   </p:sldMasterIdLst>
   <p:sldIdLst>
-    <p:sldId id="258" r:id="rId2"/>
-    <p:sldId id="259" r:id="rId3"/>
-    <p:sldId id="261" r:id="rId4"/>
-    <p:sldId id="260" r:id="rId5"/>
-    <p:sldId id="264" r:id="rId6"/>
-    <p:sldId id="262" r:id="rId7"/>
-    <p:sldId id="263" r:id="rId8"/>
-    <p:sldId id="271" r:id="rId9"/>
-    <p:sldId id="256" r:id="rId10"/>
-    <p:sldId id="268" r:id="rId11"/>
-    <p:sldId id="265" r:id="rId12"/>
-    <p:sldId id="257" r:id="rId13"/>
-    <p:sldId id="266" r:id="rId14"/>
-    <p:sldId id="267" r:id="rId15"/>
-    <p:sldId id="269" r:id="rId16"/>
-    <p:sldId id="270" r:id="rId17"/>
+    <p:sldId id="275" r:id="rId2"/>
+    <p:sldId id="272" r:id="rId3"/>
+    <p:sldId id="273" r:id="rId4"/>
+    <p:sldId id="274" r:id="rId5"/>
+    <p:sldId id="258" r:id="rId6"/>
+    <p:sldId id="259" r:id="rId7"/>
+    <p:sldId id="261" r:id="rId8"/>
+    <p:sldId id="260" r:id="rId9"/>
+    <p:sldId id="271" r:id="rId10"/>
+    <p:sldId id="264" r:id="rId11"/>
+    <p:sldId id="262" r:id="rId12"/>
+    <p:sldId id="263" r:id="rId13"/>
+    <p:sldId id="256" r:id="rId14"/>
+    <p:sldId id="268" r:id="rId15"/>
+    <p:sldId id="265" r:id="rId16"/>
+    <p:sldId id="257" r:id="rId17"/>
+    <p:sldId id="266" r:id="rId18"/>
+    <p:sldId id="267" r:id="rId19"/>
+    <p:sldId id="269" r:id="rId20"/>
+    <p:sldId id="270" r:id="rId21"/>
   </p:sldIdLst>
   <p:sldSz cx="12192000" cy="6858000"/>
   <p:notesSz cx="6858000" cy="9144000"/>
@@ -274,7 +278,7 @@
           <a:p>
             <a:fld id="{2BA0A82E-7310-479D-8850-5AAEDBAED41E}" type="datetimeFigureOut">
               <a:rPr lang="zh-TW" altLang="en-US" smtClean="0"/>
-              <a:t>2023/9/18</a:t>
+              <a:t>2023/10/8</a:t>
             </a:fld>
             <a:endParaRPr lang="zh-TW" altLang="en-US"/>
           </a:p>
@@ -472,7 +476,7 @@
           <a:p>
             <a:fld id="{2BA0A82E-7310-479D-8850-5AAEDBAED41E}" type="datetimeFigureOut">
               <a:rPr lang="zh-TW" altLang="en-US" smtClean="0"/>
-              <a:t>2023/9/18</a:t>
+              <a:t>2023/10/8</a:t>
             </a:fld>
             <a:endParaRPr lang="zh-TW" altLang="en-US"/>
           </a:p>
@@ -680,7 +684,7 @@
           <a:p>
             <a:fld id="{2BA0A82E-7310-479D-8850-5AAEDBAED41E}" type="datetimeFigureOut">
               <a:rPr lang="zh-TW" altLang="en-US" smtClean="0"/>
-              <a:t>2023/9/18</a:t>
+              <a:t>2023/10/8</a:t>
             </a:fld>
             <a:endParaRPr lang="zh-TW" altLang="en-US"/>
           </a:p>
@@ -878,7 +882,7 @@
           <a:p>
             <a:fld id="{2BA0A82E-7310-479D-8850-5AAEDBAED41E}" type="datetimeFigureOut">
               <a:rPr lang="zh-TW" altLang="en-US" smtClean="0"/>
-              <a:t>2023/9/18</a:t>
+              <a:t>2023/10/8</a:t>
             </a:fld>
             <a:endParaRPr lang="zh-TW" altLang="en-US"/>
           </a:p>
@@ -1153,7 +1157,7 @@
           <a:p>
             <a:fld id="{2BA0A82E-7310-479D-8850-5AAEDBAED41E}" type="datetimeFigureOut">
               <a:rPr lang="zh-TW" altLang="en-US" smtClean="0"/>
-              <a:t>2023/9/18</a:t>
+              <a:t>2023/10/8</a:t>
             </a:fld>
             <a:endParaRPr lang="zh-TW" altLang="en-US"/>
           </a:p>
@@ -1418,7 +1422,7 @@
           <a:p>
             <a:fld id="{2BA0A82E-7310-479D-8850-5AAEDBAED41E}" type="datetimeFigureOut">
               <a:rPr lang="zh-TW" altLang="en-US" smtClean="0"/>
-              <a:t>2023/9/18</a:t>
+              <a:t>2023/10/8</a:t>
             </a:fld>
             <a:endParaRPr lang="zh-TW" altLang="en-US"/>
           </a:p>
@@ -1830,7 +1834,7 @@
           <a:p>
             <a:fld id="{2BA0A82E-7310-479D-8850-5AAEDBAED41E}" type="datetimeFigureOut">
               <a:rPr lang="zh-TW" altLang="en-US" smtClean="0"/>
-              <a:t>2023/9/18</a:t>
+              <a:t>2023/10/8</a:t>
             </a:fld>
             <a:endParaRPr lang="zh-TW" altLang="en-US"/>
           </a:p>
@@ -1971,7 +1975,7 @@
           <a:p>
             <a:fld id="{2BA0A82E-7310-479D-8850-5AAEDBAED41E}" type="datetimeFigureOut">
               <a:rPr lang="zh-TW" altLang="en-US" smtClean="0"/>
-              <a:t>2023/9/18</a:t>
+              <a:t>2023/10/8</a:t>
             </a:fld>
             <a:endParaRPr lang="zh-TW" altLang="en-US"/>
           </a:p>
@@ -2084,7 +2088,7 @@
           <a:p>
             <a:fld id="{2BA0A82E-7310-479D-8850-5AAEDBAED41E}" type="datetimeFigureOut">
               <a:rPr lang="zh-TW" altLang="en-US" smtClean="0"/>
-              <a:t>2023/9/18</a:t>
+              <a:t>2023/10/8</a:t>
             </a:fld>
             <a:endParaRPr lang="zh-TW" altLang="en-US"/>
           </a:p>
@@ -2395,7 +2399,7 @@
           <a:p>
             <a:fld id="{2BA0A82E-7310-479D-8850-5AAEDBAED41E}" type="datetimeFigureOut">
               <a:rPr lang="zh-TW" altLang="en-US" smtClean="0"/>
-              <a:t>2023/9/18</a:t>
+              <a:t>2023/10/8</a:t>
             </a:fld>
             <a:endParaRPr lang="zh-TW" altLang="en-US"/>
           </a:p>
@@ -2683,7 +2687,7 @@
           <a:p>
             <a:fld id="{2BA0A82E-7310-479D-8850-5AAEDBAED41E}" type="datetimeFigureOut">
               <a:rPr lang="zh-TW" altLang="en-US" smtClean="0"/>
-              <a:t>2023/9/18</a:t>
+              <a:t>2023/10/8</a:t>
             </a:fld>
             <a:endParaRPr lang="zh-TW" altLang="en-US"/>
           </a:p>
@@ -2924,7 +2928,7 @@
           <a:p>
             <a:fld id="{2BA0A82E-7310-479D-8850-5AAEDBAED41E}" type="datetimeFigureOut">
               <a:rPr lang="zh-TW" altLang="en-US" smtClean="0"/>
-              <a:t>2023/9/18</a:t>
+              <a:t>2023/10/8</a:t>
             </a:fld>
             <a:endParaRPr lang="zh-TW" altLang="en-US"/>
           </a:p>
@@ -3346,7 +3350,7 @@
           <p:cNvPr id="4" name="標題 3">
             <a:extLst>
               <a:ext uri="{FF2B5EF4-FFF2-40B4-BE49-F238E27FC236}">
-                <a16:creationId xmlns:a16="http://schemas.microsoft.com/office/drawing/2014/main" id="{800B91A7-AE6E-25C4-2D25-EB692A4F5E36}"/>
+                <a16:creationId xmlns:a16="http://schemas.microsoft.com/office/drawing/2014/main" id="{EB0626DB-789F-804F-0007-200D328F29B6}"/>
               </a:ext>
             </a:extLst>
           </p:cNvPr>
@@ -3364,13 +3368,8 @@
           <a:p>
             <a:r>
               <a:rPr lang="zh-TW" altLang="en-US" dirty="0"/>
-              <a:t>神經網路</a:t>
-            </a:r>
-            <a:r>
-              <a:rPr lang="en-US" altLang="zh-TW" dirty="0"/>
-              <a:t>(NN)</a:t>
-            </a:r>
-            <a:endParaRPr lang="zh-TW" altLang="en-US" dirty="0"/>
+              <a:t>算法組進度彙報</a:t>
+            </a:r>
           </a:p>
         </p:txBody>
       </p:sp>
@@ -3379,7 +3378,7 @@
           <p:cNvPr id="5" name="副標題 4">
             <a:extLst>
               <a:ext uri="{FF2B5EF4-FFF2-40B4-BE49-F238E27FC236}">
-                <a16:creationId xmlns:a16="http://schemas.microsoft.com/office/drawing/2014/main" id="{45B2A0A0-5EA8-BB4A-FE8B-3E0056F41055}"/>
+                <a16:creationId xmlns:a16="http://schemas.microsoft.com/office/drawing/2014/main" id="{003C1DE4-8563-A613-77FD-DD856D959137}"/>
               </a:ext>
             </a:extLst>
           </p:cNvPr>
@@ -3395,14 +3394,24 @@
           <a:bodyPr/>
           <a:lstStyle/>
           <a:p>
-            <a:endParaRPr lang="zh-TW" altLang="en-US"/>
+            <a:r>
+              <a:rPr lang="zh-TW" altLang="en-US" dirty="0"/>
+              <a:t>負責人：李紘宇</a:t>
+            </a:r>
+            <a:endParaRPr lang="en-US" altLang="zh-TW" dirty="0"/>
+          </a:p>
+          <a:p>
+            <a:r>
+              <a:rPr lang="zh-TW" altLang="en-US" dirty="0"/>
+              <a:t>組員：周哲煒、洪元甫、張昀甯、許詠約</a:t>
+            </a:r>
           </a:p>
         </p:txBody>
       </p:sp>
     </p:spTree>
     <p:extLst>
       <p:ext uri="{BB962C8B-B14F-4D97-AF65-F5344CB8AC3E}">
-        <p14:creationId xmlns:p14="http://schemas.microsoft.com/office/powerpoint/2010/main" val="2116619762"/>
+        <p14:creationId xmlns:p14="http://schemas.microsoft.com/office/powerpoint/2010/main" val="18372602"/>
       </p:ext>
     </p:extLst>
   </p:cSld>
@@ -3413,6 +3422,1497 @@
 </file>
 
 <file path=ppt/slides/slide10.xml><?xml version="1.0" encoding="utf-8"?>
+<p:sld xmlns:a="http://schemas.openxmlformats.org/drawingml/2006/main" xmlns:r="http://schemas.openxmlformats.org/officeDocument/2006/relationships" xmlns:p="http://schemas.openxmlformats.org/presentationml/2006/main">
+  <p:cSld>
+    <p:spTree>
+      <p:nvGrpSpPr>
+        <p:cNvPr id="1" name=""/>
+        <p:cNvGrpSpPr/>
+        <p:nvPr/>
+      </p:nvGrpSpPr>
+      <p:grpSpPr>
+        <a:xfrm>
+          <a:off x="0" y="0"/>
+          <a:ext cx="0" cy="0"/>
+          <a:chOff x="0" y="0"/>
+          <a:chExt cx="0" cy="0"/>
+        </a:xfrm>
+      </p:grpSpPr>
+      <p:sp>
+        <p:nvSpPr>
+          <p:cNvPr id="2" name="標題 1">
+            <a:extLst>
+              <a:ext uri="{FF2B5EF4-FFF2-40B4-BE49-F238E27FC236}">
+                <a16:creationId xmlns:a16="http://schemas.microsoft.com/office/drawing/2014/main" id="{230928D0-8701-8525-5A68-73E422D43D0A}"/>
+              </a:ext>
+            </a:extLst>
+          </p:cNvPr>
+          <p:cNvSpPr>
+            <a:spLocks noGrp="1"/>
+          </p:cNvSpPr>
+          <p:nvPr>
+            <p:ph type="title"/>
+          </p:nvPr>
+        </p:nvSpPr>
+        <p:spPr/>
+        <p:txBody>
+          <a:bodyPr/>
+          <a:lstStyle/>
+          <a:p>
+            <a:r>
+              <a:rPr lang="zh-TW" altLang="en-US" dirty="0"/>
+              <a:t>怎麼知道權重要設多少</a:t>
+            </a:r>
+            <a:r>
+              <a:rPr lang="en-US" altLang="zh-TW" dirty="0"/>
+              <a:t>?</a:t>
+            </a:r>
+            <a:endParaRPr lang="zh-TW" altLang="en-US" dirty="0"/>
+          </a:p>
+        </p:txBody>
+      </p:sp>
+      <p:sp>
+        <p:nvSpPr>
+          <p:cNvPr id="4" name="文字方塊 3">
+            <a:extLst>
+              <a:ext uri="{FF2B5EF4-FFF2-40B4-BE49-F238E27FC236}">
+                <a16:creationId xmlns:a16="http://schemas.microsoft.com/office/drawing/2014/main" id="{95A51AC3-C4B8-9947-3DD4-0117E4420FF1}"/>
+              </a:ext>
+            </a:extLst>
+          </p:cNvPr>
+          <p:cNvSpPr txBox="1"/>
+          <p:nvPr/>
+        </p:nvSpPr>
+        <p:spPr>
+          <a:xfrm>
+            <a:off x="831850" y="5327779"/>
+            <a:ext cx="8369559" cy="523220"/>
+          </a:xfrm>
+          <a:prstGeom prst="rect">
+            <a:avLst/>
+          </a:prstGeom>
+          <a:noFill/>
+        </p:spPr>
+        <p:txBody>
+          <a:bodyPr wrap="square" rtlCol="0">
+            <a:spAutoFit/>
+          </a:bodyPr>
+          <a:lstStyle/>
+          <a:p>
+            <a:r>
+              <a:rPr lang="zh-TW" altLang="en-US" sz="2800" dirty="0"/>
+              <a:t>神經網路預測訓練的資料，誤差應該最小</a:t>
+            </a:r>
+            <a:endParaRPr lang="en-US" altLang="zh-TW" sz="2800" dirty="0"/>
+          </a:p>
+        </p:txBody>
+      </p:sp>
+      <p:pic>
+        <p:nvPicPr>
+          <p:cNvPr id="3" name="內容版面配置區 17" descr="一張含有 圖表, 行, 圓形, 寫生 的圖片&#10;&#10;自動產生的描述">
+            <a:extLst>
+              <a:ext uri="{FF2B5EF4-FFF2-40B4-BE49-F238E27FC236}">
+                <a16:creationId xmlns:a16="http://schemas.microsoft.com/office/drawing/2014/main" id="{EC3803C9-67F3-DF87-5501-884D635DD932}"/>
+              </a:ext>
+            </a:extLst>
+          </p:cNvPr>
+          <p:cNvPicPr>
+            <a:picLocks noChangeAspect="1"/>
+          </p:cNvPicPr>
+          <p:nvPr/>
+        </p:nvPicPr>
+        <p:blipFill>
+          <a:blip r:embed="rId2">
+            <a:extLst>
+              <a:ext uri="{28A0092B-C50C-407E-A947-70E740481C1C}">
+                <a14:useLocalDpi xmlns:a14="http://schemas.microsoft.com/office/drawing/2010/main" val="0"/>
+              </a:ext>
+            </a:extLst>
+          </a:blip>
+          <a:stretch>
+            <a:fillRect/>
+          </a:stretch>
+        </p:blipFill>
+        <p:spPr>
+          <a:xfrm>
+            <a:off x="6567197" y="875501"/>
+            <a:ext cx="4201169" cy="2552794"/>
+          </a:xfrm>
+          <a:prstGeom prst="rect">
+            <a:avLst/>
+          </a:prstGeom>
+        </p:spPr>
+      </p:pic>
+      <p:sp>
+        <p:nvSpPr>
+          <p:cNvPr id="5" name="文字方塊 4">
+            <a:extLst>
+              <a:ext uri="{FF2B5EF4-FFF2-40B4-BE49-F238E27FC236}">
+                <a16:creationId xmlns:a16="http://schemas.microsoft.com/office/drawing/2014/main" id="{BB48C263-63D2-962A-B64A-BCB32F2C8078}"/>
+              </a:ext>
+            </a:extLst>
+          </p:cNvPr>
+          <p:cNvSpPr txBox="1"/>
+          <p:nvPr/>
+        </p:nvSpPr>
+        <p:spPr>
+          <a:xfrm>
+            <a:off x="7445830" y="680716"/>
+            <a:ext cx="875956" cy="369332"/>
+          </a:xfrm>
+          <a:prstGeom prst="rect">
+            <a:avLst/>
+          </a:prstGeom>
+          <a:noFill/>
+        </p:spPr>
+        <p:txBody>
+          <a:bodyPr wrap="square" rtlCol="0">
+            <a:spAutoFit/>
+          </a:bodyPr>
+          <a:lstStyle/>
+          <a:p>
+            <a:r>
+              <a:rPr lang="zh-TW" altLang="en-US" dirty="0"/>
+              <a:t>權重</a:t>
+            </a:r>
+            <a:endParaRPr lang="en-US" altLang="zh-TW" dirty="0"/>
+          </a:p>
+        </p:txBody>
+      </p:sp>
+    </p:spTree>
+    <p:extLst>
+      <p:ext uri="{BB962C8B-B14F-4D97-AF65-F5344CB8AC3E}">
+        <p14:creationId xmlns:p14="http://schemas.microsoft.com/office/powerpoint/2010/main" val="3340873469"/>
+      </p:ext>
+    </p:extLst>
+  </p:cSld>
+  <p:clrMapOvr>
+    <a:masterClrMapping/>
+  </p:clrMapOvr>
+</p:sld>
+</file>
+
+<file path=ppt/slides/slide11.xml><?xml version="1.0" encoding="utf-8"?>
+<p:sld xmlns:a="http://schemas.openxmlformats.org/drawingml/2006/main" xmlns:r="http://schemas.openxmlformats.org/officeDocument/2006/relationships" xmlns:p="http://schemas.openxmlformats.org/presentationml/2006/main">
+  <p:cSld>
+    <p:spTree>
+      <p:nvGrpSpPr>
+        <p:cNvPr id="1" name=""/>
+        <p:cNvGrpSpPr/>
+        <p:nvPr/>
+      </p:nvGrpSpPr>
+      <p:grpSpPr>
+        <a:xfrm>
+          <a:off x="0" y="0"/>
+          <a:ext cx="0" cy="0"/>
+          <a:chOff x="0" y="0"/>
+          <a:chExt cx="0" cy="0"/>
+        </a:xfrm>
+      </p:grpSpPr>
+      <p:sp>
+        <p:nvSpPr>
+          <p:cNvPr id="2" name="標題 1">
+            <a:extLst>
+              <a:ext uri="{FF2B5EF4-FFF2-40B4-BE49-F238E27FC236}">
+                <a16:creationId xmlns:a16="http://schemas.microsoft.com/office/drawing/2014/main" id="{093C32A3-120A-FE6E-BA05-35E1153F24C4}"/>
+              </a:ext>
+            </a:extLst>
+          </p:cNvPr>
+          <p:cNvSpPr>
+            <a:spLocks noGrp="1"/>
+          </p:cNvSpPr>
+          <p:nvPr>
+            <p:ph type="title"/>
+          </p:nvPr>
+        </p:nvSpPr>
+        <p:spPr/>
+        <p:txBody>
+          <a:bodyPr/>
+          <a:lstStyle/>
+          <a:p>
+            <a:r>
+              <a:rPr lang="zh-TW" altLang="en-US" dirty="0"/>
+              <a:t>損失函數</a:t>
+            </a:r>
+          </a:p>
+        </p:txBody>
+      </p:sp>
+      <p:pic>
+        <p:nvPicPr>
+          <p:cNvPr id="5" name="內容版面配置區 4" descr="一張含有 字型, 文字, 白色, 行 的圖片&#10;&#10;自動產生的描述">
+            <a:extLst>
+              <a:ext uri="{FF2B5EF4-FFF2-40B4-BE49-F238E27FC236}">
+                <a16:creationId xmlns:a16="http://schemas.microsoft.com/office/drawing/2014/main" id="{94F218FD-7314-1F82-5E22-740FA10C2764}"/>
+              </a:ext>
+            </a:extLst>
+          </p:cNvPr>
+          <p:cNvPicPr>
+            <a:picLocks noGrp="1" noChangeAspect="1"/>
+          </p:cNvPicPr>
+          <p:nvPr>
+            <p:ph idx="1"/>
+          </p:nvPr>
+        </p:nvPicPr>
+        <p:blipFill>
+          <a:blip r:embed="rId2">
+            <a:extLst>
+              <a:ext uri="{28A0092B-C50C-407E-A947-70E740481C1C}">
+                <a14:useLocalDpi xmlns:a14="http://schemas.microsoft.com/office/drawing/2010/main" val="0"/>
+              </a:ext>
+            </a:extLst>
+          </a:blip>
+          <a:stretch>
+            <a:fillRect/>
+          </a:stretch>
+        </p:blipFill>
+        <p:spPr>
+          <a:xfrm>
+            <a:off x="992234" y="4864298"/>
+            <a:ext cx="6687209" cy="968885"/>
+          </a:xfrm>
+        </p:spPr>
+      </p:pic>
+      <p:pic>
+        <p:nvPicPr>
+          <p:cNvPr id="7" name="圖片 6" descr="一張含有 文字, 字型, 筆跡, 行 的圖片&#10;&#10;自動產生的描述">
+            <a:extLst>
+              <a:ext uri="{FF2B5EF4-FFF2-40B4-BE49-F238E27FC236}">
+                <a16:creationId xmlns:a16="http://schemas.microsoft.com/office/drawing/2014/main" id="{1C566DFB-7CAE-DDC0-2F9F-E07006414B51}"/>
+              </a:ext>
+            </a:extLst>
+          </p:cNvPr>
+          <p:cNvPicPr>
+            <a:picLocks noChangeAspect="1"/>
+          </p:cNvPicPr>
+          <p:nvPr/>
+        </p:nvPicPr>
+        <p:blipFill>
+          <a:blip r:embed="rId3">
+            <a:extLst>
+              <a:ext uri="{28A0092B-C50C-407E-A947-70E740481C1C}">
+                <a14:useLocalDpi xmlns:a14="http://schemas.microsoft.com/office/drawing/2010/main" val="0"/>
+              </a:ext>
+            </a:extLst>
+          </a:blip>
+          <a:stretch>
+            <a:fillRect/>
+          </a:stretch>
+        </p:blipFill>
+        <p:spPr>
+          <a:xfrm>
+            <a:off x="992234" y="2632770"/>
+            <a:ext cx="4942037" cy="1387613"/>
+          </a:xfrm>
+          <a:prstGeom prst="rect">
+            <a:avLst/>
+          </a:prstGeom>
+        </p:spPr>
+      </p:pic>
+      <p:sp>
+        <p:nvSpPr>
+          <p:cNvPr id="8" name="文字方塊 7">
+            <a:extLst>
+              <a:ext uri="{FF2B5EF4-FFF2-40B4-BE49-F238E27FC236}">
+                <a16:creationId xmlns:a16="http://schemas.microsoft.com/office/drawing/2014/main" id="{0F237F59-5E57-C7BB-7D73-12F21A16B824}"/>
+              </a:ext>
+            </a:extLst>
+          </p:cNvPr>
+          <p:cNvSpPr txBox="1"/>
+          <p:nvPr/>
+        </p:nvSpPr>
+        <p:spPr>
+          <a:xfrm>
+            <a:off x="3144417" y="1648354"/>
+            <a:ext cx="4077478" cy="461665"/>
+          </a:xfrm>
+          <a:prstGeom prst="rect">
+            <a:avLst/>
+          </a:prstGeom>
+          <a:noFill/>
+        </p:spPr>
+        <p:txBody>
+          <a:bodyPr wrap="square" rtlCol="0">
+            <a:spAutoFit/>
+          </a:bodyPr>
+          <a:lstStyle/>
+          <a:p>
+            <a:r>
+              <a:rPr lang="en-US" altLang="zh-TW" sz="2400" dirty="0"/>
+              <a:t>m</a:t>
+            </a:r>
+            <a:r>
+              <a:rPr lang="zh-TW" altLang="en-US" sz="2400" dirty="0"/>
+              <a:t>個訓練資料</a:t>
+            </a:r>
+          </a:p>
+        </p:txBody>
+      </p:sp>
+      <p:sp>
+        <p:nvSpPr>
+          <p:cNvPr id="9" name="左大括弧 8">
+            <a:extLst>
+              <a:ext uri="{FF2B5EF4-FFF2-40B4-BE49-F238E27FC236}">
+                <a16:creationId xmlns:a16="http://schemas.microsoft.com/office/drawing/2014/main" id="{3634B628-487E-ABE5-65CB-7C24F545B528}"/>
+              </a:ext>
+            </a:extLst>
+          </p:cNvPr>
+          <p:cNvSpPr/>
+          <p:nvPr/>
+        </p:nvSpPr>
+        <p:spPr>
+          <a:xfrm rot="5400000">
+            <a:off x="3860643" y="1063138"/>
+            <a:ext cx="461663" cy="2696550"/>
+          </a:xfrm>
+          <a:prstGeom prst="leftBrace">
+            <a:avLst>
+              <a:gd name="adj1" fmla="val 0"/>
+              <a:gd name="adj2" fmla="val 50000"/>
+            </a:avLst>
+          </a:prstGeom>
+        </p:spPr>
+        <p:style>
+          <a:lnRef idx="1">
+            <a:schemeClr val="accent1"/>
+          </a:lnRef>
+          <a:fillRef idx="0">
+            <a:schemeClr val="accent1"/>
+          </a:fillRef>
+          <a:effectRef idx="0">
+            <a:schemeClr val="accent1"/>
+          </a:effectRef>
+          <a:fontRef idx="minor">
+            <a:schemeClr val="tx1"/>
+          </a:fontRef>
+        </p:style>
+        <p:txBody>
+          <a:bodyPr rtlCol="0" anchor="ctr"/>
+          <a:lstStyle/>
+          <a:p>
+            <a:pPr algn="ctr"/>
+            <a:endParaRPr lang="zh-TW" altLang="en-US"/>
+          </a:p>
+        </p:txBody>
+      </p:sp>
+      <p:sp>
+        <p:nvSpPr>
+          <p:cNvPr id="10" name="文字方塊 9">
+            <a:extLst>
+              <a:ext uri="{FF2B5EF4-FFF2-40B4-BE49-F238E27FC236}">
+                <a16:creationId xmlns:a16="http://schemas.microsoft.com/office/drawing/2014/main" id="{DFAC69CC-AE77-4333-6E83-D4E8C52E9CE9}"/>
+              </a:ext>
+            </a:extLst>
+          </p:cNvPr>
+          <p:cNvSpPr txBox="1"/>
+          <p:nvPr/>
+        </p:nvSpPr>
+        <p:spPr>
+          <a:xfrm>
+            <a:off x="992234" y="4343079"/>
+            <a:ext cx="2584580" cy="400110"/>
+          </a:xfrm>
+          <a:prstGeom prst="rect">
+            <a:avLst/>
+          </a:prstGeom>
+          <a:noFill/>
+        </p:spPr>
+        <p:txBody>
+          <a:bodyPr wrap="square" rtlCol="0">
+            <a:spAutoFit/>
+          </a:bodyPr>
+          <a:lstStyle/>
+          <a:p>
+            <a:r>
+              <a:rPr lang="zh-TW" altLang="en-US" sz="2000" b="1" dirty="0"/>
+              <a:t>均方差損失函數</a:t>
+            </a:r>
+            <a:r>
+              <a:rPr lang="en-US" altLang="zh-TW" sz="2000" b="1" dirty="0"/>
+              <a:t>:</a:t>
+            </a:r>
+          </a:p>
+        </p:txBody>
+      </p:sp>
+    </p:spTree>
+    <p:extLst>
+      <p:ext uri="{BB962C8B-B14F-4D97-AF65-F5344CB8AC3E}">
+        <p14:creationId xmlns:p14="http://schemas.microsoft.com/office/powerpoint/2010/main" val="385988567"/>
+      </p:ext>
+    </p:extLst>
+  </p:cSld>
+  <p:clrMapOvr>
+    <a:masterClrMapping/>
+  </p:clrMapOvr>
+</p:sld>
+</file>
+
+<file path=ppt/slides/slide12.xml><?xml version="1.0" encoding="utf-8"?>
+<p:sld xmlns:a="http://schemas.openxmlformats.org/drawingml/2006/main" xmlns:r="http://schemas.openxmlformats.org/officeDocument/2006/relationships" xmlns:p="http://schemas.openxmlformats.org/presentationml/2006/main">
+  <p:cSld>
+    <p:spTree>
+      <p:nvGrpSpPr>
+        <p:cNvPr id="1" name=""/>
+        <p:cNvGrpSpPr/>
+        <p:nvPr/>
+      </p:nvGrpSpPr>
+      <p:grpSpPr>
+        <a:xfrm>
+          <a:off x="0" y="0"/>
+          <a:ext cx="0" cy="0"/>
+          <a:chOff x="0" y="0"/>
+          <a:chExt cx="0" cy="0"/>
+        </a:xfrm>
+      </p:grpSpPr>
+      <p:sp>
+        <p:nvSpPr>
+          <p:cNvPr id="2" name="標題 1">
+            <a:extLst>
+              <a:ext uri="{FF2B5EF4-FFF2-40B4-BE49-F238E27FC236}">
+                <a16:creationId xmlns:a16="http://schemas.microsoft.com/office/drawing/2014/main" id="{A574ED86-DDFA-ED4A-3A32-82E2EFE60BDB}"/>
+              </a:ext>
+            </a:extLst>
+          </p:cNvPr>
+          <p:cNvSpPr>
+            <a:spLocks noGrp="1"/>
+          </p:cNvSpPr>
+          <p:nvPr>
+            <p:ph type="title"/>
+          </p:nvPr>
+        </p:nvSpPr>
+        <p:spPr>
+          <a:xfrm>
+            <a:off x="838200" y="327803"/>
+            <a:ext cx="10515600" cy="1325563"/>
+          </a:xfrm>
+        </p:spPr>
+        <p:txBody>
+          <a:bodyPr/>
+          <a:lstStyle/>
+          <a:p>
+            <a:r>
+              <a:rPr lang="zh-TW" altLang="en-US" dirty="0"/>
+              <a:t>反向傳播</a:t>
+            </a:r>
+          </a:p>
+        </p:txBody>
+      </p:sp>
+      <p:sp>
+        <p:nvSpPr>
+          <p:cNvPr id="3" name="內容版面配置區 2">
+            <a:extLst>
+              <a:ext uri="{FF2B5EF4-FFF2-40B4-BE49-F238E27FC236}">
+                <a16:creationId xmlns:a16="http://schemas.microsoft.com/office/drawing/2014/main" id="{C6B01FE1-DE55-D55C-0020-ECB8C62740A6}"/>
+              </a:ext>
+            </a:extLst>
+          </p:cNvPr>
+          <p:cNvSpPr>
+            <a:spLocks noGrp="1"/>
+          </p:cNvSpPr>
+          <p:nvPr>
+            <p:ph idx="1"/>
+          </p:nvPr>
+        </p:nvSpPr>
+        <p:spPr/>
+        <p:txBody>
+          <a:bodyPr/>
+          <a:lstStyle/>
+          <a:p>
+            <a:r>
+              <a:rPr lang="zh-TW" altLang="en-US" dirty="0"/>
+              <a:t>梯度下降法</a:t>
+            </a:r>
+            <a:r>
+              <a:rPr lang="en-US" altLang="zh-TW" dirty="0"/>
+              <a:t>_</a:t>
+            </a:r>
+            <a:r>
+              <a:rPr lang="zh-TW" altLang="en-US" dirty="0"/>
+              <a:t>更新權重，最小化</a:t>
+            </a:r>
+          </a:p>
+          <a:p>
+            <a:endParaRPr lang="zh-TW" altLang="en-US" dirty="0"/>
+          </a:p>
+        </p:txBody>
+      </p:sp>
+      <p:pic>
+        <p:nvPicPr>
+          <p:cNvPr id="4" name="內容版面配置區 17" descr="一張含有 圖表, 行, 圓形, 寫生 的圖片&#10;&#10;自動產生的描述">
+            <a:extLst>
+              <a:ext uri="{FF2B5EF4-FFF2-40B4-BE49-F238E27FC236}">
+                <a16:creationId xmlns:a16="http://schemas.microsoft.com/office/drawing/2014/main" id="{16F95200-B690-F071-F34D-BBD976D9A41C}"/>
+              </a:ext>
+            </a:extLst>
+          </p:cNvPr>
+          <p:cNvPicPr>
+            <a:picLocks noChangeAspect="1"/>
+          </p:cNvPicPr>
+          <p:nvPr/>
+        </p:nvPicPr>
+        <p:blipFill>
+          <a:blip r:embed="rId2">
+            <a:extLst>
+              <a:ext uri="{28A0092B-C50C-407E-A947-70E740481C1C}">
+                <a14:useLocalDpi xmlns:a14="http://schemas.microsoft.com/office/drawing/2010/main" val="0"/>
+              </a:ext>
+            </a:extLst>
+          </a:blip>
+          <a:stretch>
+            <a:fillRect/>
+          </a:stretch>
+        </p:blipFill>
+        <p:spPr>
+          <a:xfrm>
+            <a:off x="6988815" y="2870626"/>
+            <a:ext cx="4886715" cy="2969358"/>
+          </a:xfrm>
+          <a:prstGeom prst="rect">
+            <a:avLst/>
+          </a:prstGeom>
+        </p:spPr>
+      </p:pic>
+      <p:pic>
+        <p:nvPicPr>
+          <p:cNvPr id="5" name="內容版面配置區 8" descr="一張含有 圖表, 圓形, 行 的圖片&#10;&#10;自動產生的描述">
+            <a:extLst>
+              <a:ext uri="{FF2B5EF4-FFF2-40B4-BE49-F238E27FC236}">
+                <a16:creationId xmlns:a16="http://schemas.microsoft.com/office/drawing/2014/main" id="{214D340D-F641-BCE9-A35C-E2DEF3A57907}"/>
+              </a:ext>
+            </a:extLst>
+          </p:cNvPr>
+          <p:cNvPicPr>
+            <a:picLocks noChangeAspect="1"/>
+          </p:cNvPicPr>
+          <p:nvPr/>
+        </p:nvPicPr>
+        <p:blipFill>
+          <a:blip r:embed="rId3">
+            <a:extLst>
+              <a:ext uri="{28A0092B-C50C-407E-A947-70E740481C1C}">
+                <a14:useLocalDpi xmlns:a14="http://schemas.microsoft.com/office/drawing/2010/main" val="0"/>
+              </a:ext>
+            </a:extLst>
+          </a:blip>
+          <a:stretch>
+            <a:fillRect/>
+          </a:stretch>
+        </p:blipFill>
+        <p:spPr>
+          <a:xfrm>
+            <a:off x="316470" y="2981324"/>
+            <a:ext cx="6313294" cy="2747963"/>
+          </a:xfrm>
+          <a:prstGeom prst="rect">
+            <a:avLst/>
+          </a:prstGeom>
+        </p:spPr>
+      </p:pic>
+      <p:cxnSp>
+        <p:nvCxnSpPr>
+          <p:cNvPr id="7" name="直線單箭頭接點 6">
+            <a:extLst>
+              <a:ext uri="{FF2B5EF4-FFF2-40B4-BE49-F238E27FC236}">
+                <a16:creationId xmlns:a16="http://schemas.microsoft.com/office/drawing/2014/main" id="{550B1B6F-1E8A-3BE2-0523-1519FF897986}"/>
+              </a:ext>
+            </a:extLst>
+          </p:cNvPr>
+          <p:cNvCxnSpPr/>
+          <p:nvPr/>
+        </p:nvCxnSpPr>
+        <p:spPr>
+          <a:xfrm flipH="1">
+            <a:off x="1788941" y="2715207"/>
+            <a:ext cx="3368352" cy="0"/>
+          </a:xfrm>
+          <a:prstGeom prst="straightConnector1">
+            <a:avLst/>
+          </a:prstGeom>
+          <a:ln w="76200">
+            <a:solidFill>
+              <a:srgbClr val="C00000"/>
+            </a:solidFill>
+            <a:tailEnd type="triangle"/>
+          </a:ln>
+        </p:spPr>
+        <p:style>
+          <a:lnRef idx="1">
+            <a:schemeClr val="accent1"/>
+          </a:lnRef>
+          <a:fillRef idx="0">
+            <a:schemeClr val="accent1"/>
+          </a:fillRef>
+          <a:effectRef idx="0">
+            <a:schemeClr val="accent1"/>
+          </a:effectRef>
+          <a:fontRef idx="minor">
+            <a:schemeClr val="tx1"/>
+          </a:fontRef>
+        </p:style>
+      </p:cxnSp>
+      <p:pic>
+        <p:nvPicPr>
+          <p:cNvPr id="9" name="內容版面配置區 4" descr="一張含有 字型, 文字, 白色, 行 的圖片&#10;&#10;自動產生的描述">
+            <a:extLst>
+              <a:ext uri="{FF2B5EF4-FFF2-40B4-BE49-F238E27FC236}">
+                <a16:creationId xmlns:a16="http://schemas.microsoft.com/office/drawing/2014/main" id="{7188644F-2F9F-89DC-8466-58F955ACF2A6}"/>
+              </a:ext>
+            </a:extLst>
+          </p:cNvPr>
+          <p:cNvPicPr>
+            <a:picLocks noChangeAspect="1"/>
+          </p:cNvPicPr>
+          <p:nvPr/>
+        </p:nvPicPr>
+        <p:blipFill>
+          <a:blip r:embed="rId4">
+            <a:extLst>
+              <a:ext uri="{28A0092B-C50C-407E-A947-70E740481C1C}">
+                <a14:useLocalDpi xmlns:a14="http://schemas.microsoft.com/office/drawing/2010/main" val="0"/>
+              </a:ext>
+            </a:extLst>
+          </a:blip>
+          <a:stretch>
+            <a:fillRect/>
+          </a:stretch>
+        </p:blipFill>
+        <p:spPr>
+          <a:xfrm>
+            <a:off x="5985028" y="1653366"/>
+            <a:ext cx="5890502" cy="853453"/>
+          </a:xfrm>
+          <a:prstGeom prst="rect">
+            <a:avLst/>
+          </a:prstGeom>
+        </p:spPr>
+      </p:pic>
+      <p:sp>
+        <p:nvSpPr>
+          <p:cNvPr id="12" name="手繪多邊形: 圖案 11">
+            <a:extLst>
+              <a:ext uri="{FF2B5EF4-FFF2-40B4-BE49-F238E27FC236}">
+                <a16:creationId xmlns:a16="http://schemas.microsoft.com/office/drawing/2014/main" id="{65107F68-C2A7-036A-7B24-9D7B2BF2A48A}"/>
+              </a:ext>
+            </a:extLst>
+          </p:cNvPr>
+          <p:cNvSpPr/>
+          <p:nvPr/>
+        </p:nvSpPr>
+        <p:spPr>
+          <a:xfrm>
+            <a:off x="7621983" y="2758516"/>
+            <a:ext cx="1260760" cy="2391982"/>
+          </a:xfrm>
+          <a:custGeom>
+            <a:avLst/>
+            <a:gdLst>
+              <a:gd name="connsiteX0" fmla="*/ 327699 w 1260760"/>
+              <a:gd name="connsiteY0" fmla="*/ 12676 h 2391982"/>
+              <a:gd name="connsiteX1" fmla="*/ 262384 w 1260760"/>
+              <a:gd name="connsiteY1" fmla="*/ 22006 h 2391982"/>
+              <a:gd name="connsiteX2" fmla="*/ 197070 w 1260760"/>
+              <a:gd name="connsiteY2" fmla="*/ 68660 h 2391982"/>
+              <a:gd name="connsiteX3" fmla="*/ 159748 w 1260760"/>
+              <a:gd name="connsiteY3" fmla="*/ 87321 h 2391982"/>
+              <a:gd name="connsiteX4" fmla="*/ 141086 w 1260760"/>
+              <a:gd name="connsiteY4" fmla="*/ 124643 h 2391982"/>
+              <a:gd name="connsiteX5" fmla="*/ 113095 w 1260760"/>
+              <a:gd name="connsiteY5" fmla="*/ 171296 h 2391982"/>
+              <a:gd name="connsiteX6" fmla="*/ 85103 w 1260760"/>
+              <a:gd name="connsiteY6" fmla="*/ 264602 h 2391982"/>
+              <a:gd name="connsiteX7" fmla="*/ 75772 w 1260760"/>
+              <a:gd name="connsiteY7" fmla="*/ 516529 h 2391982"/>
+              <a:gd name="connsiteX8" fmla="*/ 47780 w 1260760"/>
+              <a:gd name="connsiteY8" fmla="*/ 675149 h 2391982"/>
+              <a:gd name="connsiteX9" fmla="*/ 29119 w 1260760"/>
+              <a:gd name="connsiteY9" fmla="*/ 703141 h 2391982"/>
+              <a:gd name="connsiteX10" fmla="*/ 10458 w 1260760"/>
+              <a:gd name="connsiteY10" fmla="*/ 1048374 h 2391982"/>
+              <a:gd name="connsiteX11" fmla="*/ 38450 w 1260760"/>
+              <a:gd name="connsiteY11" fmla="*/ 1710847 h 2391982"/>
+              <a:gd name="connsiteX12" fmla="*/ 66441 w 1260760"/>
+              <a:gd name="connsiteY12" fmla="*/ 1822815 h 2391982"/>
+              <a:gd name="connsiteX13" fmla="*/ 75772 w 1260760"/>
+              <a:gd name="connsiteY13" fmla="*/ 1860137 h 2391982"/>
+              <a:gd name="connsiteX14" fmla="*/ 131756 w 1260760"/>
+              <a:gd name="connsiteY14" fmla="*/ 1972104 h 2391982"/>
+              <a:gd name="connsiteX15" fmla="*/ 206401 w 1260760"/>
+              <a:gd name="connsiteY15" fmla="*/ 2046749 h 2391982"/>
+              <a:gd name="connsiteX16" fmla="*/ 271715 w 1260760"/>
+              <a:gd name="connsiteY16" fmla="*/ 2093402 h 2391982"/>
+              <a:gd name="connsiteX17" fmla="*/ 309037 w 1260760"/>
+              <a:gd name="connsiteY17" fmla="*/ 2121394 h 2391982"/>
+              <a:gd name="connsiteX18" fmla="*/ 365021 w 1260760"/>
+              <a:gd name="connsiteY18" fmla="*/ 2149386 h 2391982"/>
+              <a:gd name="connsiteX19" fmla="*/ 393013 w 1260760"/>
+              <a:gd name="connsiteY19" fmla="*/ 2177378 h 2391982"/>
+              <a:gd name="connsiteX20" fmla="*/ 476988 w 1260760"/>
+              <a:gd name="connsiteY20" fmla="*/ 2214700 h 2391982"/>
+              <a:gd name="connsiteX21" fmla="*/ 514311 w 1260760"/>
+              <a:gd name="connsiteY21" fmla="*/ 2233362 h 2391982"/>
+              <a:gd name="connsiteX22" fmla="*/ 542303 w 1260760"/>
+              <a:gd name="connsiteY22" fmla="*/ 2252023 h 2391982"/>
+              <a:gd name="connsiteX23" fmla="*/ 579625 w 1260760"/>
+              <a:gd name="connsiteY23" fmla="*/ 2261353 h 2391982"/>
+              <a:gd name="connsiteX24" fmla="*/ 682262 w 1260760"/>
+              <a:gd name="connsiteY24" fmla="*/ 2308006 h 2391982"/>
+              <a:gd name="connsiteX25" fmla="*/ 831552 w 1260760"/>
+              <a:gd name="connsiteY25" fmla="*/ 2363990 h 2391982"/>
+              <a:gd name="connsiteX26" fmla="*/ 1008833 w 1260760"/>
+              <a:gd name="connsiteY26" fmla="*/ 2382651 h 2391982"/>
+              <a:gd name="connsiteX27" fmla="*/ 1074148 w 1260760"/>
+              <a:gd name="connsiteY27" fmla="*/ 2391982 h 2391982"/>
+              <a:gd name="connsiteX28" fmla="*/ 1214107 w 1260760"/>
+              <a:gd name="connsiteY28" fmla="*/ 2335998 h 2391982"/>
+              <a:gd name="connsiteX29" fmla="*/ 1232768 w 1260760"/>
+              <a:gd name="connsiteY29" fmla="*/ 2308006 h 2391982"/>
+              <a:gd name="connsiteX30" fmla="*/ 1251429 w 1260760"/>
+              <a:gd name="connsiteY30" fmla="*/ 2242692 h 2391982"/>
+              <a:gd name="connsiteX31" fmla="*/ 1260760 w 1260760"/>
+              <a:gd name="connsiteY31" fmla="*/ 2205370 h 2391982"/>
+              <a:gd name="connsiteX32" fmla="*/ 1251429 w 1260760"/>
+              <a:gd name="connsiteY32" fmla="*/ 2056080 h 2391982"/>
+              <a:gd name="connsiteX33" fmla="*/ 1232768 w 1260760"/>
+              <a:gd name="connsiteY33" fmla="*/ 2028088 h 2391982"/>
+              <a:gd name="connsiteX34" fmla="*/ 1223437 w 1260760"/>
+              <a:gd name="connsiteY34" fmla="*/ 1990766 h 2391982"/>
+              <a:gd name="connsiteX35" fmla="*/ 1176784 w 1260760"/>
+              <a:gd name="connsiteY35" fmla="*/ 1944113 h 2391982"/>
+              <a:gd name="connsiteX36" fmla="*/ 1102139 w 1260760"/>
+              <a:gd name="connsiteY36" fmla="*/ 1906790 h 2391982"/>
+              <a:gd name="connsiteX37" fmla="*/ 1064817 w 1260760"/>
+              <a:gd name="connsiteY37" fmla="*/ 1888129 h 2391982"/>
+              <a:gd name="connsiteX38" fmla="*/ 952850 w 1260760"/>
+              <a:gd name="connsiteY38" fmla="*/ 1869468 h 2391982"/>
+              <a:gd name="connsiteX39" fmla="*/ 915527 w 1260760"/>
+              <a:gd name="connsiteY39" fmla="*/ 1860137 h 2391982"/>
+              <a:gd name="connsiteX40" fmla="*/ 887535 w 1260760"/>
+              <a:gd name="connsiteY40" fmla="*/ 1841476 h 2391982"/>
+              <a:gd name="connsiteX41" fmla="*/ 812890 w 1260760"/>
+              <a:gd name="connsiteY41" fmla="*/ 1832145 h 2391982"/>
+              <a:gd name="connsiteX42" fmla="*/ 747576 w 1260760"/>
+              <a:gd name="connsiteY42" fmla="*/ 1804153 h 2391982"/>
+              <a:gd name="connsiteX43" fmla="*/ 672931 w 1260760"/>
+              <a:gd name="connsiteY43" fmla="*/ 1766831 h 2391982"/>
+              <a:gd name="connsiteX44" fmla="*/ 644939 w 1260760"/>
+              <a:gd name="connsiteY44" fmla="*/ 1720178 h 2391982"/>
+              <a:gd name="connsiteX45" fmla="*/ 598286 w 1260760"/>
+              <a:gd name="connsiteY45" fmla="*/ 1617541 h 2391982"/>
+              <a:gd name="connsiteX46" fmla="*/ 579625 w 1260760"/>
+              <a:gd name="connsiteY46" fmla="*/ 1561557 h 2391982"/>
+              <a:gd name="connsiteX47" fmla="*/ 570295 w 1260760"/>
+              <a:gd name="connsiteY47" fmla="*/ 1514904 h 2391982"/>
+              <a:gd name="connsiteX48" fmla="*/ 560964 w 1260760"/>
+              <a:gd name="connsiteY48" fmla="*/ 1337623 h 2391982"/>
+              <a:gd name="connsiteX49" fmla="*/ 560964 w 1260760"/>
+              <a:gd name="connsiteY49" fmla="*/ 1001721 h 2391982"/>
+              <a:gd name="connsiteX50" fmla="*/ 626278 w 1260760"/>
+              <a:gd name="connsiteY50" fmla="*/ 731133 h 2391982"/>
+              <a:gd name="connsiteX51" fmla="*/ 654270 w 1260760"/>
+              <a:gd name="connsiteY51" fmla="*/ 497868 h 2391982"/>
+              <a:gd name="connsiteX52" fmla="*/ 682262 w 1260760"/>
+              <a:gd name="connsiteY52" fmla="*/ 441884 h 2391982"/>
+              <a:gd name="connsiteX53" fmla="*/ 691593 w 1260760"/>
+              <a:gd name="connsiteY53" fmla="*/ 395231 h 2391982"/>
+              <a:gd name="connsiteX54" fmla="*/ 682262 w 1260760"/>
+              <a:gd name="connsiteY54" fmla="*/ 87321 h 2391982"/>
+              <a:gd name="connsiteX55" fmla="*/ 616948 w 1260760"/>
+              <a:gd name="connsiteY55" fmla="*/ 22006 h 2391982"/>
+              <a:gd name="connsiteX56" fmla="*/ 579625 w 1260760"/>
+              <a:gd name="connsiteY56" fmla="*/ 12676 h 2391982"/>
+              <a:gd name="connsiteX57" fmla="*/ 365021 w 1260760"/>
+              <a:gd name="connsiteY57" fmla="*/ 3345 h 2391982"/>
+              <a:gd name="connsiteX58" fmla="*/ 327699 w 1260760"/>
+              <a:gd name="connsiteY58" fmla="*/ 12676 h 2391982"/>
+            </a:gdLst>
+            <a:ahLst/>
+            <a:cxnLst>
+              <a:cxn ang="0">
+                <a:pos x="connsiteX0" y="connsiteY0"/>
+              </a:cxn>
+              <a:cxn ang="0">
+                <a:pos x="connsiteX1" y="connsiteY1"/>
+              </a:cxn>
+              <a:cxn ang="0">
+                <a:pos x="connsiteX2" y="connsiteY2"/>
+              </a:cxn>
+              <a:cxn ang="0">
+                <a:pos x="connsiteX3" y="connsiteY3"/>
+              </a:cxn>
+              <a:cxn ang="0">
+                <a:pos x="connsiteX4" y="connsiteY4"/>
+              </a:cxn>
+              <a:cxn ang="0">
+                <a:pos x="connsiteX5" y="connsiteY5"/>
+              </a:cxn>
+              <a:cxn ang="0">
+                <a:pos x="connsiteX6" y="connsiteY6"/>
+              </a:cxn>
+              <a:cxn ang="0">
+                <a:pos x="connsiteX7" y="connsiteY7"/>
+              </a:cxn>
+              <a:cxn ang="0">
+                <a:pos x="connsiteX8" y="connsiteY8"/>
+              </a:cxn>
+              <a:cxn ang="0">
+                <a:pos x="connsiteX9" y="connsiteY9"/>
+              </a:cxn>
+              <a:cxn ang="0">
+                <a:pos x="connsiteX10" y="connsiteY10"/>
+              </a:cxn>
+              <a:cxn ang="0">
+                <a:pos x="connsiteX11" y="connsiteY11"/>
+              </a:cxn>
+              <a:cxn ang="0">
+                <a:pos x="connsiteX12" y="connsiteY12"/>
+              </a:cxn>
+              <a:cxn ang="0">
+                <a:pos x="connsiteX13" y="connsiteY13"/>
+              </a:cxn>
+              <a:cxn ang="0">
+                <a:pos x="connsiteX14" y="connsiteY14"/>
+              </a:cxn>
+              <a:cxn ang="0">
+                <a:pos x="connsiteX15" y="connsiteY15"/>
+              </a:cxn>
+              <a:cxn ang="0">
+                <a:pos x="connsiteX16" y="connsiteY16"/>
+              </a:cxn>
+              <a:cxn ang="0">
+                <a:pos x="connsiteX17" y="connsiteY17"/>
+              </a:cxn>
+              <a:cxn ang="0">
+                <a:pos x="connsiteX18" y="connsiteY18"/>
+              </a:cxn>
+              <a:cxn ang="0">
+                <a:pos x="connsiteX19" y="connsiteY19"/>
+              </a:cxn>
+              <a:cxn ang="0">
+                <a:pos x="connsiteX20" y="connsiteY20"/>
+              </a:cxn>
+              <a:cxn ang="0">
+                <a:pos x="connsiteX21" y="connsiteY21"/>
+              </a:cxn>
+              <a:cxn ang="0">
+                <a:pos x="connsiteX22" y="connsiteY22"/>
+              </a:cxn>
+              <a:cxn ang="0">
+                <a:pos x="connsiteX23" y="connsiteY23"/>
+              </a:cxn>
+              <a:cxn ang="0">
+                <a:pos x="connsiteX24" y="connsiteY24"/>
+              </a:cxn>
+              <a:cxn ang="0">
+                <a:pos x="connsiteX25" y="connsiteY25"/>
+              </a:cxn>
+              <a:cxn ang="0">
+                <a:pos x="connsiteX26" y="connsiteY26"/>
+              </a:cxn>
+              <a:cxn ang="0">
+                <a:pos x="connsiteX27" y="connsiteY27"/>
+              </a:cxn>
+              <a:cxn ang="0">
+                <a:pos x="connsiteX28" y="connsiteY28"/>
+              </a:cxn>
+              <a:cxn ang="0">
+                <a:pos x="connsiteX29" y="connsiteY29"/>
+              </a:cxn>
+              <a:cxn ang="0">
+                <a:pos x="connsiteX30" y="connsiteY30"/>
+              </a:cxn>
+              <a:cxn ang="0">
+                <a:pos x="connsiteX31" y="connsiteY31"/>
+              </a:cxn>
+              <a:cxn ang="0">
+                <a:pos x="connsiteX32" y="connsiteY32"/>
+              </a:cxn>
+              <a:cxn ang="0">
+                <a:pos x="connsiteX33" y="connsiteY33"/>
+              </a:cxn>
+              <a:cxn ang="0">
+                <a:pos x="connsiteX34" y="connsiteY34"/>
+              </a:cxn>
+              <a:cxn ang="0">
+                <a:pos x="connsiteX35" y="connsiteY35"/>
+              </a:cxn>
+              <a:cxn ang="0">
+                <a:pos x="connsiteX36" y="connsiteY36"/>
+              </a:cxn>
+              <a:cxn ang="0">
+                <a:pos x="connsiteX37" y="connsiteY37"/>
+              </a:cxn>
+              <a:cxn ang="0">
+                <a:pos x="connsiteX38" y="connsiteY38"/>
+              </a:cxn>
+              <a:cxn ang="0">
+                <a:pos x="connsiteX39" y="connsiteY39"/>
+              </a:cxn>
+              <a:cxn ang="0">
+                <a:pos x="connsiteX40" y="connsiteY40"/>
+              </a:cxn>
+              <a:cxn ang="0">
+                <a:pos x="connsiteX41" y="connsiteY41"/>
+              </a:cxn>
+              <a:cxn ang="0">
+                <a:pos x="connsiteX42" y="connsiteY42"/>
+              </a:cxn>
+              <a:cxn ang="0">
+                <a:pos x="connsiteX43" y="connsiteY43"/>
+              </a:cxn>
+              <a:cxn ang="0">
+                <a:pos x="connsiteX44" y="connsiteY44"/>
+              </a:cxn>
+              <a:cxn ang="0">
+                <a:pos x="connsiteX45" y="connsiteY45"/>
+              </a:cxn>
+              <a:cxn ang="0">
+                <a:pos x="connsiteX46" y="connsiteY46"/>
+              </a:cxn>
+              <a:cxn ang="0">
+                <a:pos x="connsiteX47" y="connsiteY47"/>
+              </a:cxn>
+              <a:cxn ang="0">
+                <a:pos x="connsiteX48" y="connsiteY48"/>
+              </a:cxn>
+              <a:cxn ang="0">
+                <a:pos x="connsiteX49" y="connsiteY49"/>
+              </a:cxn>
+              <a:cxn ang="0">
+                <a:pos x="connsiteX50" y="connsiteY50"/>
+              </a:cxn>
+              <a:cxn ang="0">
+                <a:pos x="connsiteX51" y="connsiteY51"/>
+              </a:cxn>
+              <a:cxn ang="0">
+                <a:pos x="connsiteX52" y="connsiteY52"/>
+              </a:cxn>
+              <a:cxn ang="0">
+                <a:pos x="connsiteX53" y="connsiteY53"/>
+              </a:cxn>
+              <a:cxn ang="0">
+                <a:pos x="connsiteX54" y="connsiteY54"/>
+              </a:cxn>
+              <a:cxn ang="0">
+                <a:pos x="connsiteX55" y="connsiteY55"/>
+              </a:cxn>
+              <a:cxn ang="0">
+                <a:pos x="connsiteX56" y="connsiteY56"/>
+              </a:cxn>
+              <a:cxn ang="0">
+                <a:pos x="connsiteX57" y="connsiteY57"/>
+              </a:cxn>
+              <a:cxn ang="0">
+                <a:pos x="connsiteX58" y="connsiteY58"/>
+              </a:cxn>
+            </a:cxnLst>
+            <a:rect l="l" t="t" r="r" b="b"/>
+            <a:pathLst>
+              <a:path w="1260760" h="2391982">
+                <a:moveTo>
+                  <a:pt x="327699" y="12676"/>
+                </a:moveTo>
+                <a:cubicBezTo>
+                  <a:pt x="310593" y="15786"/>
+                  <a:pt x="283449" y="15686"/>
+                  <a:pt x="262384" y="22006"/>
+                </a:cubicBezTo>
+                <a:cubicBezTo>
+                  <a:pt x="254799" y="24282"/>
+                  <a:pt x="197122" y="68627"/>
+                  <a:pt x="197070" y="68660"/>
+                </a:cubicBezTo>
+                <a:cubicBezTo>
+                  <a:pt x="185275" y="76032"/>
+                  <a:pt x="172189" y="81101"/>
+                  <a:pt x="159748" y="87321"/>
+                </a:cubicBezTo>
+                <a:cubicBezTo>
+                  <a:pt x="153527" y="99762"/>
+                  <a:pt x="147841" y="112484"/>
+                  <a:pt x="141086" y="124643"/>
+                </a:cubicBezTo>
+                <a:cubicBezTo>
+                  <a:pt x="132279" y="140496"/>
+                  <a:pt x="120599" y="154786"/>
+                  <a:pt x="113095" y="171296"/>
+                </a:cubicBezTo>
+                <a:cubicBezTo>
+                  <a:pt x="100472" y="199067"/>
+                  <a:pt x="92623" y="234519"/>
+                  <a:pt x="85103" y="264602"/>
+                </a:cubicBezTo>
+                <a:cubicBezTo>
+                  <a:pt x="81993" y="348578"/>
+                  <a:pt x="80434" y="432625"/>
+                  <a:pt x="75772" y="516529"/>
+                </a:cubicBezTo>
+                <a:cubicBezTo>
+                  <a:pt x="73082" y="564951"/>
+                  <a:pt x="64645" y="628770"/>
+                  <a:pt x="47780" y="675149"/>
+                </a:cubicBezTo>
+                <a:cubicBezTo>
+                  <a:pt x="43948" y="685688"/>
+                  <a:pt x="35339" y="693810"/>
+                  <a:pt x="29119" y="703141"/>
+                </a:cubicBezTo>
+                <a:cubicBezTo>
+                  <a:pt x="1824" y="839612"/>
+                  <a:pt x="10458" y="783067"/>
+                  <a:pt x="10458" y="1048374"/>
+                </a:cubicBezTo>
+                <a:cubicBezTo>
+                  <a:pt x="10458" y="1622900"/>
+                  <a:pt x="-26469" y="1451183"/>
+                  <a:pt x="38450" y="1710847"/>
+                </a:cubicBezTo>
+                <a:cubicBezTo>
+                  <a:pt x="56236" y="1853144"/>
+                  <a:pt x="32833" y="1733193"/>
+                  <a:pt x="66441" y="1822815"/>
+                </a:cubicBezTo>
+                <a:cubicBezTo>
+                  <a:pt x="70944" y="1834822"/>
+                  <a:pt x="71169" y="1848168"/>
+                  <a:pt x="75772" y="1860137"/>
+                </a:cubicBezTo>
+                <a:cubicBezTo>
+                  <a:pt x="81908" y="1876090"/>
+                  <a:pt x="109187" y="1947278"/>
+                  <a:pt x="131756" y="1972104"/>
+                </a:cubicBezTo>
+                <a:cubicBezTo>
+                  <a:pt x="155426" y="1998141"/>
+                  <a:pt x="178251" y="2025636"/>
+                  <a:pt x="206401" y="2046749"/>
+                </a:cubicBezTo>
+                <a:cubicBezTo>
+                  <a:pt x="328374" y="2138231"/>
+                  <a:pt x="176210" y="2025184"/>
+                  <a:pt x="271715" y="2093402"/>
+                </a:cubicBezTo>
+                <a:cubicBezTo>
+                  <a:pt x="284369" y="2102441"/>
+                  <a:pt x="295702" y="2113393"/>
+                  <a:pt x="309037" y="2121394"/>
+                </a:cubicBezTo>
+                <a:cubicBezTo>
+                  <a:pt x="326928" y="2132128"/>
+                  <a:pt x="347661" y="2137813"/>
+                  <a:pt x="365021" y="2149386"/>
+                </a:cubicBezTo>
+                <a:cubicBezTo>
+                  <a:pt x="376000" y="2156706"/>
+                  <a:pt x="382275" y="2169708"/>
+                  <a:pt x="393013" y="2177378"/>
+                </a:cubicBezTo>
+                <a:cubicBezTo>
+                  <a:pt x="411930" y="2190890"/>
+                  <a:pt x="457623" y="2206093"/>
+                  <a:pt x="476988" y="2214700"/>
+                </a:cubicBezTo>
+                <a:cubicBezTo>
+                  <a:pt x="489699" y="2220349"/>
+                  <a:pt x="502234" y="2226461"/>
+                  <a:pt x="514311" y="2233362"/>
+                </a:cubicBezTo>
+                <a:cubicBezTo>
+                  <a:pt x="524047" y="2238926"/>
+                  <a:pt x="531996" y="2247606"/>
+                  <a:pt x="542303" y="2252023"/>
+                </a:cubicBezTo>
+                <a:cubicBezTo>
+                  <a:pt x="554090" y="2257074"/>
+                  <a:pt x="567184" y="2258243"/>
+                  <a:pt x="579625" y="2261353"/>
+                </a:cubicBezTo>
+                <a:cubicBezTo>
+                  <a:pt x="655643" y="2306964"/>
+                  <a:pt x="595517" y="2275477"/>
+                  <a:pt x="682262" y="2308006"/>
+                </a:cubicBezTo>
+                <a:cubicBezTo>
+                  <a:pt x="686322" y="2309528"/>
+                  <a:pt x="806921" y="2360049"/>
+                  <a:pt x="831552" y="2363990"/>
+                </a:cubicBezTo>
+                <a:cubicBezTo>
+                  <a:pt x="890226" y="2373378"/>
+                  <a:pt x="949804" y="2375840"/>
+                  <a:pt x="1008833" y="2382651"/>
+                </a:cubicBezTo>
+                <a:cubicBezTo>
+                  <a:pt x="1030681" y="2385172"/>
+                  <a:pt x="1052376" y="2388872"/>
+                  <a:pt x="1074148" y="2391982"/>
+                </a:cubicBezTo>
+                <a:cubicBezTo>
+                  <a:pt x="1173387" y="2373939"/>
+                  <a:pt x="1162673" y="2396004"/>
+                  <a:pt x="1214107" y="2335998"/>
+                </a:cubicBezTo>
+                <a:cubicBezTo>
+                  <a:pt x="1221405" y="2327484"/>
+                  <a:pt x="1226548" y="2317337"/>
+                  <a:pt x="1232768" y="2308006"/>
+                </a:cubicBezTo>
+                <a:cubicBezTo>
+                  <a:pt x="1238988" y="2286235"/>
+                  <a:pt x="1245471" y="2264537"/>
+                  <a:pt x="1251429" y="2242692"/>
+                </a:cubicBezTo>
+                <a:cubicBezTo>
+                  <a:pt x="1254803" y="2230320"/>
+                  <a:pt x="1260760" y="2218194"/>
+                  <a:pt x="1260760" y="2205370"/>
+                </a:cubicBezTo>
+                <a:cubicBezTo>
+                  <a:pt x="1260760" y="2155510"/>
+                  <a:pt x="1259205" y="2105330"/>
+                  <a:pt x="1251429" y="2056080"/>
+                </a:cubicBezTo>
+                <a:cubicBezTo>
+                  <a:pt x="1249680" y="2045003"/>
+                  <a:pt x="1238988" y="2037419"/>
+                  <a:pt x="1232768" y="2028088"/>
+                </a:cubicBezTo>
+                <a:cubicBezTo>
+                  <a:pt x="1229658" y="2015647"/>
+                  <a:pt x="1228489" y="2002553"/>
+                  <a:pt x="1223437" y="1990766"/>
+                </a:cubicBezTo>
+                <a:cubicBezTo>
+                  <a:pt x="1212682" y="1965672"/>
+                  <a:pt x="1199980" y="1956765"/>
+                  <a:pt x="1176784" y="1944113"/>
+                </a:cubicBezTo>
+                <a:cubicBezTo>
+                  <a:pt x="1152362" y="1930792"/>
+                  <a:pt x="1127021" y="1919231"/>
+                  <a:pt x="1102139" y="1906790"/>
+                </a:cubicBezTo>
+                <a:cubicBezTo>
+                  <a:pt x="1089698" y="1900570"/>
+                  <a:pt x="1078311" y="1891503"/>
+                  <a:pt x="1064817" y="1888129"/>
+                </a:cubicBezTo>
+                <a:cubicBezTo>
+                  <a:pt x="1003168" y="1872716"/>
+                  <a:pt x="1040220" y="1880388"/>
+                  <a:pt x="952850" y="1869468"/>
+                </a:cubicBezTo>
+                <a:cubicBezTo>
+                  <a:pt x="940409" y="1866358"/>
+                  <a:pt x="927314" y="1865189"/>
+                  <a:pt x="915527" y="1860137"/>
+                </a:cubicBezTo>
+                <a:cubicBezTo>
+                  <a:pt x="905220" y="1855720"/>
+                  <a:pt x="898354" y="1844427"/>
+                  <a:pt x="887535" y="1841476"/>
+                </a:cubicBezTo>
+                <a:cubicBezTo>
+                  <a:pt x="863343" y="1834878"/>
+                  <a:pt x="837772" y="1835255"/>
+                  <a:pt x="812890" y="1832145"/>
+                </a:cubicBezTo>
+                <a:cubicBezTo>
+                  <a:pt x="746132" y="1787639"/>
+                  <a:pt x="827909" y="1837625"/>
+                  <a:pt x="747576" y="1804153"/>
+                </a:cubicBezTo>
+                <a:cubicBezTo>
+                  <a:pt x="721897" y="1793454"/>
+                  <a:pt x="672931" y="1766831"/>
+                  <a:pt x="672931" y="1766831"/>
+                </a:cubicBezTo>
+                <a:cubicBezTo>
+                  <a:pt x="663600" y="1751280"/>
+                  <a:pt x="653623" y="1736099"/>
+                  <a:pt x="644939" y="1720178"/>
+                </a:cubicBezTo>
+                <a:cubicBezTo>
+                  <a:pt x="624887" y="1683415"/>
+                  <a:pt x="612311" y="1656109"/>
+                  <a:pt x="598286" y="1617541"/>
+                </a:cubicBezTo>
+                <a:cubicBezTo>
+                  <a:pt x="591564" y="1599055"/>
+                  <a:pt x="584801" y="1580535"/>
+                  <a:pt x="579625" y="1561557"/>
+                </a:cubicBezTo>
+                <a:cubicBezTo>
+                  <a:pt x="575452" y="1546257"/>
+                  <a:pt x="573405" y="1530455"/>
+                  <a:pt x="570295" y="1514904"/>
+                </a:cubicBezTo>
+                <a:cubicBezTo>
+                  <a:pt x="567185" y="1455810"/>
+                  <a:pt x="564544" y="1396690"/>
+                  <a:pt x="560964" y="1337623"/>
+                </a:cubicBezTo>
+                <a:cubicBezTo>
+                  <a:pt x="552118" y="1191662"/>
+                  <a:pt x="541233" y="1167461"/>
+                  <a:pt x="560964" y="1001721"/>
+                </a:cubicBezTo>
+                <a:cubicBezTo>
+                  <a:pt x="576931" y="867599"/>
+                  <a:pt x="590850" y="837416"/>
+                  <a:pt x="626278" y="731133"/>
+                </a:cubicBezTo>
+                <a:cubicBezTo>
+                  <a:pt x="631935" y="629314"/>
+                  <a:pt x="622196" y="581259"/>
+                  <a:pt x="654270" y="497868"/>
+                </a:cubicBezTo>
+                <a:cubicBezTo>
+                  <a:pt x="661760" y="478395"/>
+                  <a:pt x="672931" y="460545"/>
+                  <a:pt x="682262" y="441884"/>
+                </a:cubicBezTo>
+                <a:cubicBezTo>
+                  <a:pt x="685372" y="426333"/>
+                  <a:pt x="691593" y="411090"/>
+                  <a:pt x="691593" y="395231"/>
+                </a:cubicBezTo>
+                <a:cubicBezTo>
+                  <a:pt x="691593" y="292547"/>
+                  <a:pt x="695320" y="189171"/>
+                  <a:pt x="682262" y="87321"/>
+                </a:cubicBezTo>
+                <a:cubicBezTo>
+                  <a:pt x="676061" y="38958"/>
+                  <a:pt x="650176" y="31500"/>
+                  <a:pt x="616948" y="22006"/>
+                </a:cubicBezTo>
+                <a:cubicBezTo>
+                  <a:pt x="604618" y="18483"/>
+                  <a:pt x="592414" y="13623"/>
+                  <a:pt x="579625" y="12676"/>
+                </a:cubicBezTo>
+                <a:cubicBezTo>
+                  <a:pt x="508218" y="7387"/>
+                  <a:pt x="436556" y="6455"/>
+                  <a:pt x="365021" y="3345"/>
+                </a:cubicBezTo>
+                <a:cubicBezTo>
+                  <a:pt x="334079" y="-6968"/>
+                  <a:pt x="344805" y="9566"/>
+                  <a:pt x="327699" y="12676"/>
+                </a:cubicBezTo>
+                <a:close/>
+              </a:path>
+            </a:pathLst>
+          </a:custGeom>
+          <a:noFill/>
+          <a:ln w="38100">
+            <a:solidFill>
+              <a:srgbClr val="FF0000"/>
+            </a:solidFill>
+          </a:ln>
+        </p:spPr>
+        <p:style>
+          <a:lnRef idx="2">
+            <a:schemeClr val="accent1">
+              <a:shade val="15000"/>
+            </a:schemeClr>
+          </a:lnRef>
+          <a:fillRef idx="1">
+            <a:schemeClr val="accent1"/>
+          </a:fillRef>
+          <a:effectRef idx="0">
+            <a:schemeClr val="accent1"/>
+          </a:effectRef>
+          <a:fontRef idx="minor">
+            <a:schemeClr val="lt1"/>
+          </a:fontRef>
+        </p:style>
+        <p:txBody>
+          <a:bodyPr rtlCol="0" anchor="ctr"/>
+          <a:lstStyle/>
+          <a:p>
+            <a:pPr algn="ctr"/>
+            <a:endParaRPr lang="zh-TW" altLang="en-US"/>
+          </a:p>
+        </p:txBody>
+      </p:sp>
+      <p:sp>
+        <p:nvSpPr>
+          <p:cNvPr id="13" name="文字方塊 12">
+            <a:extLst>
+              <a:ext uri="{FF2B5EF4-FFF2-40B4-BE49-F238E27FC236}">
+                <a16:creationId xmlns:a16="http://schemas.microsoft.com/office/drawing/2014/main" id="{33906DB8-7780-E76F-7A94-96E228C9D838}"/>
+              </a:ext>
+            </a:extLst>
+          </p:cNvPr>
+          <p:cNvSpPr txBox="1"/>
+          <p:nvPr/>
+        </p:nvSpPr>
+        <p:spPr>
+          <a:xfrm>
+            <a:off x="8882743" y="5019968"/>
+            <a:ext cx="1679510" cy="461665"/>
+          </a:xfrm>
+          <a:prstGeom prst="rect">
+            <a:avLst/>
+          </a:prstGeom>
+          <a:noFill/>
+        </p:spPr>
+        <p:txBody>
+          <a:bodyPr wrap="square" rtlCol="0">
+            <a:spAutoFit/>
+          </a:bodyPr>
+          <a:lstStyle/>
+          <a:p>
+            <a:r>
+              <a:rPr lang="zh-TW" altLang="en-US" sz="2400" b="1" dirty="0">
+                <a:solidFill>
+                  <a:srgbClr val="FF0000"/>
+                </a:solidFill>
+              </a:rPr>
+              <a:t>更新權重</a:t>
+            </a:r>
+          </a:p>
+        </p:txBody>
+      </p:sp>
+      <p:pic>
+        <p:nvPicPr>
+          <p:cNvPr id="8" name="圖片 7" descr="一張含有 字型, 白色, 印刷術, 設計 的圖片&#10;&#10;自動產生的描述">
+            <a:extLst>
+              <a:ext uri="{FF2B5EF4-FFF2-40B4-BE49-F238E27FC236}">
+                <a16:creationId xmlns:a16="http://schemas.microsoft.com/office/drawing/2014/main" id="{F0C6A5F2-F0B7-7129-4DA9-E740548952AF}"/>
+              </a:ext>
+            </a:extLst>
+          </p:cNvPr>
+          <p:cNvPicPr>
+            <a:picLocks noChangeAspect="1"/>
+          </p:cNvPicPr>
+          <p:nvPr/>
+        </p:nvPicPr>
+        <p:blipFill>
+          <a:blip r:embed="rId5">
+            <a:extLst>
+              <a:ext uri="{28A0092B-C50C-407E-A947-70E740481C1C}">
+                <a14:useLocalDpi xmlns:a14="http://schemas.microsoft.com/office/drawing/2010/main" val="0"/>
+              </a:ext>
+            </a:extLst>
+          </a:blip>
+          <a:stretch>
+            <a:fillRect/>
+          </a:stretch>
+        </p:blipFill>
+        <p:spPr>
+          <a:xfrm>
+            <a:off x="8882743" y="5514305"/>
+            <a:ext cx="3116577" cy="712759"/>
+          </a:xfrm>
+          <a:prstGeom prst="rect">
+            <a:avLst/>
+          </a:prstGeom>
+        </p:spPr>
+      </p:pic>
+    </p:spTree>
+    <p:extLst>
+      <p:ext uri="{BB962C8B-B14F-4D97-AF65-F5344CB8AC3E}">
+        <p14:creationId xmlns:p14="http://schemas.microsoft.com/office/powerpoint/2010/main" val="2345063749"/>
+      </p:ext>
+    </p:extLst>
+  </p:cSld>
+  <p:clrMapOvr>
+    <a:masterClrMapping/>
+  </p:clrMapOvr>
+</p:sld>
+</file>
+
+<file path=ppt/slides/slide13.xml><?xml version="1.0" encoding="utf-8"?>
+<p:sld xmlns:a="http://schemas.openxmlformats.org/drawingml/2006/main" xmlns:r="http://schemas.openxmlformats.org/officeDocument/2006/relationships" xmlns:p="http://schemas.openxmlformats.org/presentationml/2006/main">
+  <p:cSld>
+    <p:spTree>
+      <p:nvGrpSpPr>
+        <p:cNvPr id="1" name=""/>
+        <p:cNvGrpSpPr/>
+        <p:nvPr/>
+      </p:nvGrpSpPr>
+      <p:grpSpPr>
+        <a:xfrm>
+          <a:off x="0" y="0"/>
+          <a:ext cx="0" cy="0"/>
+          <a:chOff x="0" y="0"/>
+          <a:chExt cx="0" cy="0"/>
+        </a:xfrm>
+      </p:grpSpPr>
+      <p:sp>
+        <p:nvSpPr>
+          <p:cNvPr id="2" name="標題 1">
+            <a:extLst>
+              <a:ext uri="{FF2B5EF4-FFF2-40B4-BE49-F238E27FC236}">
+                <a16:creationId xmlns:a16="http://schemas.microsoft.com/office/drawing/2014/main" id="{3FE00BAA-A5B9-D04F-A4D2-3AAE5C189BC7}"/>
+              </a:ext>
+            </a:extLst>
+          </p:cNvPr>
+          <p:cNvSpPr>
+            <a:spLocks noGrp="1"/>
+          </p:cNvSpPr>
+          <p:nvPr>
+            <p:ph type="ctrTitle"/>
+          </p:nvPr>
+        </p:nvSpPr>
+        <p:spPr/>
+        <p:txBody>
+          <a:bodyPr/>
+          <a:lstStyle/>
+          <a:p>
+            <a:r>
+              <a:rPr lang="zh-TW" altLang="en-US" dirty="0"/>
+              <a:t>卷積神經網路</a:t>
+            </a:r>
+            <a:r>
+              <a:rPr lang="en-US" altLang="zh-TW" dirty="0"/>
+              <a:t>(CNN)</a:t>
+            </a:r>
+            <a:endParaRPr lang="zh-TW" altLang="en-US" dirty="0"/>
+          </a:p>
+        </p:txBody>
+      </p:sp>
+      <p:sp>
+        <p:nvSpPr>
+          <p:cNvPr id="3" name="副標題 2">
+            <a:extLst>
+              <a:ext uri="{FF2B5EF4-FFF2-40B4-BE49-F238E27FC236}">
+                <a16:creationId xmlns:a16="http://schemas.microsoft.com/office/drawing/2014/main" id="{17219E6B-86CD-BCAB-5508-F072E46C65B5}"/>
+              </a:ext>
+            </a:extLst>
+          </p:cNvPr>
+          <p:cNvSpPr>
+            <a:spLocks noGrp="1"/>
+          </p:cNvSpPr>
+          <p:nvPr>
+            <p:ph type="subTitle" idx="1"/>
+          </p:nvPr>
+        </p:nvSpPr>
+        <p:spPr/>
+        <p:txBody>
+          <a:bodyPr/>
+          <a:lstStyle/>
+          <a:p>
+            <a:endParaRPr lang="zh-TW" altLang="en-US"/>
+          </a:p>
+        </p:txBody>
+      </p:sp>
+    </p:spTree>
+    <p:extLst>
+      <p:ext uri="{BB962C8B-B14F-4D97-AF65-F5344CB8AC3E}">
+        <p14:creationId xmlns:p14="http://schemas.microsoft.com/office/powerpoint/2010/main" val="1668527552"/>
+      </p:ext>
+    </p:extLst>
+  </p:cSld>
+  <p:clrMapOvr>
+    <a:masterClrMapping/>
+  </p:clrMapOvr>
+</p:sld>
+</file>
+
+<file path=ppt/slides/slide14.xml><?xml version="1.0" encoding="utf-8"?>
 <p:sld xmlns:a="http://schemas.openxmlformats.org/drawingml/2006/main" xmlns:r="http://schemas.openxmlformats.org/officeDocument/2006/relationships" xmlns:p="http://schemas.openxmlformats.org/presentationml/2006/main">
   <p:cSld>
     <p:spTree>
@@ -3581,7 +5081,7 @@
 </p:sld>
 </file>
 
-<file path=ppt/slides/slide11.xml><?xml version="1.0" encoding="utf-8"?>
+<file path=ppt/slides/slide15.xml><?xml version="1.0" encoding="utf-8"?>
 <p:sld xmlns:a="http://schemas.openxmlformats.org/drawingml/2006/main" xmlns:r="http://schemas.openxmlformats.org/officeDocument/2006/relationships" xmlns:p="http://schemas.openxmlformats.org/presentationml/2006/main">
   <p:cSld>
     <p:spTree>
@@ -3736,7 +5236,7 @@
 </p:sld>
 </file>
 
-<file path=ppt/slides/slide12.xml><?xml version="1.0" encoding="utf-8"?>
+<file path=ppt/slides/slide16.xml><?xml version="1.0" encoding="utf-8"?>
 <p:sld xmlns:a="http://schemas.openxmlformats.org/drawingml/2006/main" xmlns:r="http://schemas.openxmlformats.org/officeDocument/2006/relationships" xmlns:p="http://schemas.openxmlformats.org/presentationml/2006/main">
   <p:cSld>
     <p:spTree>
@@ -4596,7 +6096,7 @@
 </p:sld>
 </file>
 
-<file path=ppt/slides/slide13.xml><?xml version="1.0" encoding="utf-8"?>
+<file path=ppt/slides/slide17.xml><?xml version="1.0" encoding="utf-8"?>
 <p:sld xmlns:a="http://schemas.openxmlformats.org/drawingml/2006/main" xmlns:r="http://schemas.openxmlformats.org/officeDocument/2006/relationships" xmlns:p="http://schemas.openxmlformats.org/presentationml/2006/main">
   <p:cSld>
     <p:spTree>
@@ -4737,7 +6237,7 @@
 </p:sld>
 </file>
 
-<file path=ppt/slides/slide14.xml><?xml version="1.0" encoding="utf-8"?>
+<file path=ppt/slides/slide18.xml><?xml version="1.0" encoding="utf-8"?>
 <p:sld xmlns:a="http://schemas.openxmlformats.org/drawingml/2006/main" xmlns:r="http://schemas.openxmlformats.org/officeDocument/2006/relationships" xmlns:p="http://schemas.openxmlformats.org/presentationml/2006/main">
   <p:cSld>
     <p:spTree>
@@ -4922,7 +6422,7 @@
 </p:sld>
 </file>
 
-<file path=ppt/slides/slide15.xml><?xml version="1.0" encoding="utf-8"?>
+<file path=ppt/slides/slide19.xml><?xml version="1.0" encoding="utf-8"?>
 <p:sld xmlns:a="http://schemas.openxmlformats.org/drawingml/2006/main" xmlns:r="http://schemas.openxmlformats.org/officeDocument/2006/relationships" xmlns:p="http://schemas.openxmlformats.org/presentationml/2006/main">
   <p:cSld>
     <p:spTree>
@@ -5050,129 +6550,183 @@
           </a:extLst>
         </p:spPr>
       </p:pic>
+      <p:pic>
+        <p:nvPicPr>
+          <p:cNvPr id="5" name="Picture 2">
+            <a:extLst>
+              <a:ext uri="{FF2B5EF4-FFF2-40B4-BE49-F238E27FC236}">
+                <a16:creationId xmlns:a16="http://schemas.microsoft.com/office/drawing/2014/main" id="{7FE88665-C64D-0FCE-1729-337BA327C03F}"/>
+              </a:ext>
+            </a:extLst>
+          </p:cNvPr>
+          <p:cNvPicPr>
+            <a:picLocks noChangeAspect="1" noChangeArrowheads="1"/>
+          </p:cNvPicPr>
+          <p:nvPr/>
+        </p:nvPicPr>
+        <p:blipFill rotWithShape="1">
+          <a:blip r:embed="rId3">
+            <a:extLst>
+              <a:ext uri="{28A0092B-C50C-407E-A947-70E740481C1C}">
+                <a14:useLocalDpi xmlns:a14="http://schemas.microsoft.com/office/drawing/2010/main" val="0"/>
+              </a:ext>
+            </a:extLst>
+          </a:blip>
+          <a:srcRect l="2405" t="2412" r="43480" b="2574"/>
+          <a:stretch/>
+        </p:blipFill>
+        <p:spPr bwMode="auto">
+          <a:xfrm>
+            <a:off x="2506583" y="2602432"/>
+            <a:ext cx="800099" cy="737312"/>
+          </a:xfrm>
+          <a:prstGeom prst="rect">
+            <a:avLst/>
+          </a:prstGeom>
+          <a:noFill/>
+          <a:extLst>
+            <a:ext uri="{909E8E84-426E-40DD-AFC4-6F175D3DCCD1}">
+              <a14:hiddenFill xmlns:a14="http://schemas.microsoft.com/office/drawing/2010/main">
+                <a:solidFill>
+                  <a:srgbClr val="FFFFFF"/>
+                </a:solidFill>
+              </a14:hiddenFill>
+            </a:ext>
+          </a:extLst>
+        </p:spPr>
+      </p:pic>
+      <p:pic>
+        <p:nvPicPr>
+          <p:cNvPr id="6" name="Picture 4" descr="線性整流函數- 維基百科，自由的百科全書">
+            <a:extLst>
+              <a:ext uri="{FF2B5EF4-FFF2-40B4-BE49-F238E27FC236}">
+                <a16:creationId xmlns:a16="http://schemas.microsoft.com/office/drawing/2014/main" id="{EAE31072-87E1-77C2-1517-986B55C0D49D}"/>
+              </a:ext>
+            </a:extLst>
+          </p:cNvPr>
+          <p:cNvPicPr>
+            <a:picLocks noChangeAspect="1" noChangeArrowheads="1"/>
+          </p:cNvPicPr>
+          <p:nvPr/>
+        </p:nvPicPr>
+        <p:blipFill rotWithShape="1">
+          <a:blip r:embed="rId4">
+            <a:extLst>
+              <a:ext uri="{28A0092B-C50C-407E-A947-70E740481C1C}">
+                <a14:useLocalDpi xmlns:a14="http://schemas.microsoft.com/office/drawing/2010/main" val="0"/>
+              </a:ext>
+            </a:extLst>
+          </a:blip>
+          <a:srcRect l="13169"/>
+          <a:stretch/>
+        </p:blipFill>
+        <p:spPr bwMode="auto">
+          <a:xfrm>
+            <a:off x="3753677" y="2687281"/>
+            <a:ext cx="998983" cy="652463"/>
+          </a:xfrm>
+          <a:prstGeom prst="rect">
+            <a:avLst/>
+          </a:prstGeom>
+          <a:noFill/>
+          <a:extLst>
+            <a:ext uri="{909E8E84-426E-40DD-AFC4-6F175D3DCCD1}">
+              <a14:hiddenFill xmlns:a14="http://schemas.microsoft.com/office/drawing/2010/main">
+                <a:solidFill>
+                  <a:srgbClr val="FFFFFF"/>
+                </a:solidFill>
+              </a14:hiddenFill>
+            </a:ext>
+          </a:extLst>
+        </p:spPr>
+      </p:pic>
+      <p:pic>
+        <p:nvPicPr>
+          <p:cNvPr id="7" name="Picture 2" descr="卷積神經網路- 維基百科，自由的百科全書">
+            <a:extLst>
+              <a:ext uri="{FF2B5EF4-FFF2-40B4-BE49-F238E27FC236}">
+                <a16:creationId xmlns:a16="http://schemas.microsoft.com/office/drawing/2014/main" id="{A5734E9E-1ED6-C96E-1842-2E3AF46D135D}"/>
+              </a:ext>
+            </a:extLst>
+          </p:cNvPr>
+          <p:cNvPicPr>
+            <a:picLocks noChangeAspect="1" noChangeArrowheads="1"/>
+          </p:cNvPicPr>
+          <p:nvPr/>
+        </p:nvPicPr>
+        <p:blipFill>
+          <a:blip r:embed="rId5">
+            <a:extLst>
+              <a:ext uri="{28A0092B-C50C-407E-A947-70E740481C1C}">
+                <a14:useLocalDpi xmlns:a14="http://schemas.microsoft.com/office/drawing/2010/main" val="0"/>
+              </a:ext>
+            </a:extLst>
+          </a:blip>
+          <a:srcRect/>
+          <a:stretch>
+            <a:fillRect/>
+          </a:stretch>
+        </p:blipFill>
+        <p:spPr bwMode="auto">
+          <a:xfrm>
+            <a:off x="5080933" y="2535921"/>
+            <a:ext cx="1647826" cy="955181"/>
+          </a:xfrm>
+          <a:prstGeom prst="rect">
+            <a:avLst/>
+          </a:prstGeom>
+          <a:noFill/>
+          <a:extLst>
+            <a:ext uri="{909E8E84-426E-40DD-AFC4-6F175D3DCCD1}">
+              <a14:hiddenFill xmlns:a14="http://schemas.microsoft.com/office/drawing/2010/main">
+                <a:solidFill>
+                  <a:srgbClr val="FFFFFF"/>
+                </a:solidFill>
+              </a14:hiddenFill>
+            </a:ext>
+          </a:extLst>
+        </p:spPr>
+      </p:pic>
+      <p:pic>
+        <p:nvPicPr>
+          <p:cNvPr id="8" name="內容版面配置區 8" descr="一張含有 圖表, 圓形, 行 的圖片&#10;&#10;自動產生的描述">
+            <a:extLst>
+              <a:ext uri="{FF2B5EF4-FFF2-40B4-BE49-F238E27FC236}">
+                <a16:creationId xmlns:a16="http://schemas.microsoft.com/office/drawing/2014/main" id="{BF818A23-0D85-7B5B-D4CC-0FB21FAEE6DC}"/>
+              </a:ext>
+            </a:extLst>
+          </p:cNvPr>
+          <p:cNvPicPr>
+            <a:picLocks noChangeAspect="1"/>
+          </p:cNvPicPr>
+          <p:nvPr/>
+        </p:nvPicPr>
+        <p:blipFill>
+          <a:blip r:embed="rId6">
+            <a:extLst>
+              <a:ext uri="{28A0092B-C50C-407E-A947-70E740481C1C}">
+                <a14:useLocalDpi xmlns:a14="http://schemas.microsoft.com/office/drawing/2010/main" val="0"/>
+              </a:ext>
+            </a:extLst>
+          </a:blip>
+          <a:stretch>
+            <a:fillRect/>
+          </a:stretch>
+        </p:blipFill>
+        <p:spPr>
+          <a:xfrm>
+            <a:off x="8724464" y="2558256"/>
+            <a:ext cx="1921905" cy="836540"/>
+          </a:xfrm>
+          <a:prstGeom prst="rect">
+            <a:avLst/>
+          </a:prstGeom>
+        </p:spPr>
+      </p:pic>
     </p:spTree>
     <p:extLst>
       <p:ext uri="{BB962C8B-B14F-4D97-AF65-F5344CB8AC3E}">
         <p14:creationId xmlns:p14="http://schemas.microsoft.com/office/powerpoint/2010/main" val="4109198793"/>
-      </p:ext>
-    </p:extLst>
-  </p:cSld>
-  <p:clrMapOvr>
-    <a:masterClrMapping/>
-  </p:clrMapOvr>
-</p:sld>
-</file>
-
-<file path=ppt/slides/slide16.xml><?xml version="1.0" encoding="utf-8"?>
-<p:sld xmlns:a="http://schemas.openxmlformats.org/drawingml/2006/main" xmlns:r="http://schemas.openxmlformats.org/officeDocument/2006/relationships" xmlns:p="http://schemas.openxmlformats.org/presentationml/2006/main">
-  <p:cSld>
-    <p:spTree>
-      <p:nvGrpSpPr>
-        <p:cNvPr id="1" name=""/>
-        <p:cNvGrpSpPr/>
-        <p:nvPr/>
-      </p:nvGrpSpPr>
-      <p:grpSpPr>
-        <a:xfrm>
-          <a:off x="0" y="0"/>
-          <a:ext cx="0" cy="0"/>
-          <a:chOff x="0" y="0"/>
-          <a:chExt cx="0" cy="0"/>
-        </a:xfrm>
-      </p:grpSpPr>
-      <p:sp>
-        <p:nvSpPr>
-          <p:cNvPr id="2" name="標題 1">
-            <a:extLst>
-              <a:ext uri="{FF2B5EF4-FFF2-40B4-BE49-F238E27FC236}">
-                <a16:creationId xmlns:a16="http://schemas.microsoft.com/office/drawing/2014/main" id="{933AC190-04A4-0951-BF5B-1BC4B1A37C34}"/>
-              </a:ext>
-            </a:extLst>
-          </p:cNvPr>
-          <p:cNvSpPr>
-            <a:spLocks noGrp="1"/>
-          </p:cNvSpPr>
-          <p:nvPr>
-            <p:ph type="title"/>
-          </p:nvPr>
-        </p:nvSpPr>
-        <p:spPr/>
-        <p:txBody>
-          <a:bodyPr/>
-          <a:lstStyle/>
-          <a:p>
-            <a:r>
-              <a:rPr lang="zh-TW" altLang="en-US" dirty="0"/>
-              <a:t>總結</a:t>
-            </a:r>
-          </a:p>
-        </p:txBody>
-      </p:sp>
-      <p:sp>
-        <p:nvSpPr>
-          <p:cNvPr id="3" name="內容版面配置區 2">
-            <a:extLst>
-              <a:ext uri="{FF2B5EF4-FFF2-40B4-BE49-F238E27FC236}">
-                <a16:creationId xmlns:a16="http://schemas.microsoft.com/office/drawing/2014/main" id="{677B2833-96D1-3200-830D-3BF2034415E9}"/>
-              </a:ext>
-            </a:extLst>
-          </p:cNvPr>
-          <p:cNvSpPr>
-            <a:spLocks noGrp="1"/>
-          </p:cNvSpPr>
-          <p:nvPr>
-            <p:ph idx="1"/>
-          </p:nvPr>
-        </p:nvSpPr>
-        <p:spPr/>
-        <p:txBody>
-          <a:bodyPr/>
-          <a:lstStyle/>
-          <a:p>
-            <a:r>
-              <a:rPr lang="en-US" altLang="zh-TW" dirty="0"/>
-              <a:t>CNN</a:t>
-            </a:r>
-            <a:r>
-              <a:rPr lang="zh-TW" altLang="en-US" dirty="0"/>
-              <a:t>模擬</a:t>
-            </a:r>
-            <a:r>
-              <a:rPr lang="zh-TW" altLang="en-US" b="0" i="0" dirty="0">
-                <a:solidFill>
-                  <a:srgbClr val="202122"/>
-                </a:solidFill>
-                <a:effectLst/>
-                <a:latin typeface="Arial" panose="020B0604020202020204" pitchFamily="34" charset="0"/>
-              </a:rPr>
-              <a:t>大腦實現視覺處理的方式</a:t>
-            </a:r>
-            <a:endParaRPr lang="en-US" altLang="zh-TW" b="0" i="0" dirty="0">
-              <a:solidFill>
-                <a:srgbClr val="202122"/>
-              </a:solidFill>
-              <a:effectLst/>
-              <a:latin typeface="Arial" panose="020B0604020202020204" pitchFamily="34" charset="0"/>
-            </a:endParaRPr>
-          </a:p>
-          <a:p>
-            <a:r>
-              <a:rPr lang="zh-TW" altLang="en-US" dirty="0">
-                <a:solidFill>
-                  <a:srgbClr val="202122"/>
-                </a:solidFill>
-                <a:latin typeface="Arial" panose="020B0604020202020204" pitchFamily="34" charset="0"/>
-              </a:rPr>
-              <a:t>適合處理影像辨識</a:t>
-            </a:r>
-            <a:endParaRPr lang="zh-TW" altLang="en-US" dirty="0"/>
-          </a:p>
-        </p:txBody>
-      </p:sp>
-    </p:spTree>
-    <p:extLst>
-      <p:ext uri="{BB962C8B-B14F-4D97-AF65-F5344CB8AC3E}">
-        <p14:creationId xmlns:p14="http://schemas.microsoft.com/office/powerpoint/2010/main" val="952541413"/>
       </p:ext>
     </p:extLst>
   </p:cSld>
@@ -5204,6 +6758,565 @@
           <p:cNvPr id="2" name="標題 1">
             <a:extLst>
               <a:ext uri="{FF2B5EF4-FFF2-40B4-BE49-F238E27FC236}">
+                <a16:creationId xmlns:a16="http://schemas.microsoft.com/office/drawing/2014/main" id="{12444129-9A32-5431-B9BF-E22E4C0DBF7C}"/>
+              </a:ext>
+            </a:extLst>
+          </p:cNvPr>
+          <p:cNvSpPr>
+            <a:spLocks noGrp="1"/>
+          </p:cNvSpPr>
+          <p:nvPr>
+            <p:ph type="title"/>
+          </p:nvPr>
+        </p:nvSpPr>
+        <p:spPr/>
+        <p:txBody>
+          <a:bodyPr/>
+          <a:lstStyle/>
+          <a:p>
+            <a:r>
+              <a:rPr lang="zh-TW" altLang="en-US" dirty="0"/>
+              <a:t>算法組工作簡介</a:t>
+            </a:r>
+          </a:p>
+        </p:txBody>
+      </p:sp>
+      <p:sp>
+        <p:nvSpPr>
+          <p:cNvPr id="3" name="內容版面配置區 2">
+            <a:extLst>
+              <a:ext uri="{FF2B5EF4-FFF2-40B4-BE49-F238E27FC236}">
+                <a16:creationId xmlns:a16="http://schemas.microsoft.com/office/drawing/2014/main" id="{61007C8F-3B33-ACBE-3A13-2AF131A9E024}"/>
+              </a:ext>
+            </a:extLst>
+          </p:cNvPr>
+          <p:cNvSpPr>
+            <a:spLocks noGrp="1"/>
+          </p:cNvSpPr>
+          <p:nvPr>
+            <p:ph idx="1"/>
+          </p:nvPr>
+        </p:nvSpPr>
+        <p:spPr/>
+        <p:txBody>
+          <a:bodyPr/>
+          <a:lstStyle/>
+          <a:p>
+            <a:r>
+              <a:rPr lang="zh-TW" altLang="en-US" dirty="0"/>
+              <a:t>當前目標：開發物件辨識模型，用於雷達偵測充電板位置</a:t>
+            </a:r>
+            <a:endParaRPr lang="en-US" altLang="zh-TW" dirty="0"/>
+          </a:p>
+          <a:p>
+            <a:r>
+              <a:rPr lang="zh-TW" altLang="en-US" dirty="0"/>
+              <a:t>未來：航線最佳化、環境建模</a:t>
+            </a:r>
+            <a:r>
+              <a:rPr lang="en-US" altLang="zh-TW" dirty="0"/>
+              <a:t>……</a:t>
+            </a:r>
+            <a:endParaRPr lang="zh-TW" altLang="en-US" dirty="0"/>
+          </a:p>
+        </p:txBody>
+      </p:sp>
+    </p:spTree>
+    <p:extLst>
+      <p:ext uri="{BB962C8B-B14F-4D97-AF65-F5344CB8AC3E}">
+        <p14:creationId xmlns:p14="http://schemas.microsoft.com/office/powerpoint/2010/main" val="3838709248"/>
+      </p:ext>
+    </p:extLst>
+  </p:cSld>
+  <p:clrMapOvr>
+    <a:masterClrMapping/>
+  </p:clrMapOvr>
+</p:sld>
+</file>
+
+<file path=ppt/slides/slide20.xml><?xml version="1.0" encoding="utf-8"?>
+<p:sld xmlns:a="http://schemas.openxmlformats.org/drawingml/2006/main" xmlns:r="http://schemas.openxmlformats.org/officeDocument/2006/relationships" xmlns:p="http://schemas.openxmlformats.org/presentationml/2006/main">
+  <p:cSld>
+    <p:spTree>
+      <p:nvGrpSpPr>
+        <p:cNvPr id="1" name=""/>
+        <p:cNvGrpSpPr/>
+        <p:nvPr/>
+      </p:nvGrpSpPr>
+      <p:grpSpPr>
+        <a:xfrm>
+          <a:off x="0" y="0"/>
+          <a:ext cx="0" cy="0"/>
+          <a:chOff x="0" y="0"/>
+          <a:chExt cx="0" cy="0"/>
+        </a:xfrm>
+      </p:grpSpPr>
+      <p:sp>
+        <p:nvSpPr>
+          <p:cNvPr id="2" name="標題 1">
+            <a:extLst>
+              <a:ext uri="{FF2B5EF4-FFF2-40B4-BE49-F238E27FC236}">
+                <a16:creationId xmlns:a16="http://schemas.microsoft.com/office/drawing/2014/main" id="{933AC190-04A4-0951-BF5B-1BC4B1A37C34}"/>
+              </a:ext>
+            </a:extLst>
+          </p:cNvPr>
+          <p:cNvSpPr>
+            <a:spLocks noGrp="1"/>
+          </p:cNvSpPr>
+          <p:nvPr>
+            <p:ph type="title"/>
+          </p:nvPr>
+        </p:nvSpPr>
+        <p:spPr/>
+        <p:txBody>
+          <a:bodyPr/>
+          <a:lstStyle/>
+          <a:p>
+            <a:r>
+              <a:rPr lang="zh-TW" altLang="en-US" dirty="0"/>
+              <a:t>總結</a:t>
+            </a:r>
+          </a:p>
+        </p:txBody>
+      </p:sp>
+      <p:sp>
+        <p:nvSpPr>
+          <p:cNvPr id="3" name="內容版面配置區 2">
+            <a:extLst>
+              <a:ext uri="{FF2B5EF4-FFF2-40B4-BE49-F238E27FC236}">
+                <a16:creationId xmlns:a16="http://schemas.microsoft.com/office/drawing/2014/main" id="{677B2833-96D1-3200-830D-3BF2034415E9}"/>
+              </a:ext>
+            </a:extLst>
+          </p:cNvPr>
+          <p:cNvSpPr>
+            <a:spLocks noGrp="1"/>
+          </p:cNvSpPr>
+          <p:nvPr>
+            <p:ph idx="1"/>
+          </p:nvPr>
+        </p:nvSpPr>
+        <p:spPr/>
+        <p:txBody>
+          <a:bodyPr/>
+          <a:lstStyle/>
+          <a:p>
+            <a:r>
+              <a:rPr lang="en-US" altLang="zh-TW" dirty="0"/>
+              <a:t>CNN</a:t>
+            </a:r>
+            <a:r>
+              <a:rPr lang="zh-TW" altLang="en-US" dirty="0"/>
+              <a:t>模擬</a:t>
+            </a:r>
+            <a:r>
+              <a:rPr lang="zh-TW" altLang="en-US" b="0" i="0" dirty="0">
+                <a:solidFill>
+                  <a:srgbClr val="202122"/>
+                </a:solidFill>
+                <a:effectLst/>
+                <a:latin typeface="Arial" panose="020B0604020202020204" pitchFamily="34" charset="0"/>
+              </a:rPr>
+              <a:t>大腦實現視覺處理的方式</a:t>
+            </a:r>
+            <a:endParaRPr lang="en-US" altLang="zh-TW" b="0" i="0" dirty="0">
+              <a:solidFill>
+                <a:srgbClr val="202122"/>
+              </a:solidFill>
+              <a:effectLst/>
+              <a:latin typeface="Arial" panose="020B0604020202020204" pitchFamily="34" charset="0"/>
+            </a:endParaRPr>
+          </a:p>
+          <a:p>
+            <a:r>
+              <a:rPr lang="zh-TW" altLang="en-US" dirty="0">
+                <a:solidFill>
+                  <a:srgbClr val="202122"/>
+                </a:solidFill>
+                <a:latin typeface="Arial" panose="020B0604020202020204" pitchFamily="34" charset="0"/>
+              </a:rPr>
+              <a:t>適合處理影像辨識</a:t>
+            </a:r>
+            <a:endParaRPr lang="zh-TW" altLang="en-US" dirty="0"/>
+          </a:p>
+        </p:txBody>
+      </p:sp>
+    </p:spTree>
+    <p:extLst>
+      <p:ext uri="{BB962C8B-B14F-4D97-AF65-F5344CB8AC3E}">
+        <p14:creationId xmlns:p14="http://schemas.microsoft.com/office/powerpoint/2010/main" val="952541413"/>
+      </p:ext>
+    </p:extLst>
+  </p:cSld>
+  <p:clrMapOvr>
+    <a:masterClrMapping/>
+  </p:clrMapOvr>
+</p:sld>
+</file>
+
+<file path=ppt/slides/slide3.xml><?xml version="1.0" encoding="utf-8"?>
+<p:sld xmlns:a="http://schemas.openxmlformats.org/drawingml/2006/main" xmlns:r="http://schemas.openxmlformats.org/officeDocument/2006/relationships" xmlns:p="http://schemas.openxmlformats.org/presentationml/2006/main">
+  <p:cSld>
+    <p:spTree>
+      <p:nvGrpSpPr>
+        <p:cNvPr id="1" name=""/>
+        <p:cNvGrpSpPr/>
+        <p:nvPr/>
+      </p:nvGrpSpPr>
+      <p:grpSpPr>
+        <a:xfrm>
+          <a:off x="0" y="0"/>
+          <a:ext cx="0" cy="0"/>
+          <a:chOff x="0" y="0"/>
+          <a:chExt cx="0" cy="0"/>
+        </a:xfrm>
+      </p:grpSpPr>
+      <p:sp>
+        <p:nvSpPr>
+          <p:cNvPr id="2" name="標題 1">
+            <a:extLst>
+              <a:ext uri="{FF2B5EF4-FFF2-40B4-BE49-F238E27FC236}">
+                <a16:creationId xmlns:a16="http://schemas.microsoft.com/office/drawing/2014/main" id="{C3D285B6-9103-29B9-5B95-5E10F430F95F}"/>
+              </a:ext>
+            </a:extLst>
+          </p:cNvPr>
+          <p:cNvSpPr>
+            <a:spLocks noGrp="1"/>
+          </p:cNvSpPr>
+          <p:nvPr>
+            <p:ph type="title"/>
+          </p:nvPr>
+        </p:nvSpPr>
+        <p:spPr/>
+        <p:txBody>
+          <a:bodyPr/>
+          <a:lstStyle/>
+          <a:p>
+            <a:r>
+              <a:rPr lang="zh-TW" altLang="en-US" dirty="0"/>
+              <a:t>物件辨識進度</a:t>
+            </a:r>
+          </a:p>
+        </p:txBody>
+      </p:sp>
+      <p:sp>
+        <p:nvSpPr>
+          <p:cNvPr id="3" name="內容版面配置區 2">
+            <a:extLst>
+              <a:ext uri="{FF2B5EF4-FFF2-40B4-BE49-F238E27FC236}">
+                <a16:creationId xmlns:a16="http://schemas.microsoft.com/office/drawing/2014/main" id="{0F1002F5-A53C-B446-BF9C-A13962ECE113}"/>
+              </a:ext>
+            </a:extLst>
+          </p:cNvPr>
+          <p:cNvSpPr>
+            <a:spLocks noGrp="1"/>
+          </p:cNvSpPr>
+          <p:nvPr>
+            <p:ph idx="1"/>
+          </p:nvPr>
+        </p:nvSpPr>
+        <p:spPr/>
+        <p:txBody>
+          <a:bodyPr/>
+          <a:lstStyle/>
+          <a:p>
+            <a:r>
+              <a:rPr lang="zh-TW" altLang="en-US" dirty="0"/>
+              <a:t>卷積神經網路</a:t>
+            </a:r>
+            <a:r>
+              <a:rPr lang="en-US" altLang="zh-TW" dirty="0"/>
+              <a:t>(</a:t>
+            </a:r>
+            <a:r>
+              <a:rPr lang="zh-TW" altLang="en-US" dirty="0"/>
+              <a:t>完成</a:t>
+            </a:r>
+            <a:r>
+              <a:rPr lang="en-US" altLang="zh-TW" dirty="0"/>
+              <a:t>)</a:t>
+            </a:r>
+          </a:p>
+          <a:p>
+            <a:r>
+              <a:rPr lang="en-US" altLang="zh-TW" dirty="0" err="1"/>
+              <a:t>Gradcam</a:t>
+            </a:r>
+            <a:r>
+              <a:rPr lang="en-US" altLang="zh-TW" dirty="0"/>
+              <a:t>(</a:t>
+            </a:r>
+            <a:r>
+              <a:rPr lang="zh-TW" altLang="en-US" dirty="0"/>
+              <a:t>完成</a:t>
+            </a:r>
+            <a:r>
+              <a:rPr lang="en-US" altLang="zh-TW" dirty="0"/>
+              <a:t>)</a:t>
+            </a:r>
+          </a:p>
+          <a:p>
+            <a:r>
+              <a:rPr lang="zh-TW" altLang="en-US" dirty="0"/>
+              <a:t>影像分割</a:t>
+            </a:r>
+            <a:r>
+              <a:rPr lang="en-US" altLang="zh-TW" dirty="0"/>
+              <a:t>(</a:t>
+            </a:r>
+            <a:r>
+              <a:rPr lang="zh-TW" altLang="en-US" dirty="0"/>
+              <a:t>進行中</a:t>
+            </a:r>
+            <a:r>
+              <a:rPr lang="en-US" altLang="zh-TW" dirty="0"/>
+              <a:t>)</a:t>
+            </a:r>
+            <a:endParaRPr lang="zh-TW" altLang="en-US" dirty="0"/>
+          </a:p>
+        </p:txBody>
+      </p:sp>
+    </p:spTree>
+    <p:extLst>
+      <p:ext uri="{BB962C8B-B14F-4D97-AF65-F5344CB8AC3E}">
+        <p14:creationId xmlns:p14="http://schemas.microsoft.com/office/powerpoint/2010/main" val="497782824"/>
+      </p:ext>
+    </p:extLst>
+  </p:cSld>
+  <p:clrMapOvr>
+    <a:masterClrMapping/>
+  </p:clrMapOvr>
+</p:sld>
+</file>
+
+<file path=ppt/slides/slide4.xml><?xml version="1.0" encoding="utf-8"?>
+<p:sld xmlns:a="http://schemas.openxmlformats.org/drawingml/2006/main" xmlns:r="http://schemas.openxmlformats.org/officeDocument/2006/relationships" xmlns:p="http://schemas.openxmlformats.org/presentationml/2006/main">
+  <p:cSld>
+    <p:spTree>
+      <p:nvGrpSpPr>
+        <p:cNvPr id="1" name=""/>
+        <p:cNvGrpSpPr/>
+        <p:nvPr/>
+      </p:nvGrpSpPr>
+      <p:grpSpPr>
+        <a:xfrm>
+          <a:off x="0" y="0"/>
+          <a:ext cx="0" cy="0"/>
+          <a:chOff x="0" y="0"/>
+          <a:chExt cx="0" cy="0"/>
+        </a:xfrm>
+      </p:grpSpPr>
+      <p:sp>
+        <p:nvSpPr>
+          <p:cNvPr id="2" name="標題 1">
+            <a:extLst>
+              <a:ext uri="{FF2B5EF4-FFF2-40B4-BE49-F238E27FC236}">
+                <a16:creationId xmlns:a16="http://schemas.microsoft.com/office/drawing/2014/main" id="{4B7C6E12-474F-9399-0167-FF165A94B82E}"/>
+              </a:ext>
+            </a:extLst>
+          </p:cNvPr>
+          <p:cNvSpPr>
+            <a:spLocks noGrp="1"/>
+          </p:cNvSpPr>
+          <p:nvPr>
+            <p:ph type="title"/>
+          </p:nvPr>
+        </p:nvSpPr>
+        <p:spPr/>
+        <p:txBody>
+          <a:bodyPr/>
+          <a:lstStyle/>
+          <a:p>
+            <a:r>
+              <a:rPr lang="zh-TW" altLang="en-US" dirty="0"/>
+              <a:t>彙報內容</a:t>
+            </a:r>
+          </a:p>
+        </p:txBody>
+      </p:sp>
+      <p:sp>
+        <p:nvSpPr>
+          <p:cNvPr id="3" name="內容版面配置區 2">
+            <a:extLst>
+              <a:ext uri="{FF2B5EF4-FFF2-40B4-BE49-F238E27FC236}">
+                <a16:creationId xmlns:a16="http://schemas.microsoft.com/office/drawing/2014/main" id="{D2548805-D5F5-0DEF-55E5-BC73EB55C250}"/>
+              </a:ext>
+            </a:extLst>
+          </p:cNvPr>
+          <p:cNvSpPr>
+            <a:spLocks noGrp="1"/>
+          </p:cNvSpPr>
+          <p:nvPr>
+            <p:ph idx="1"/>
+          </p:nvPr>
+        </p:nvSpPr>
+        <p:spPr/>
+        <p:txBody>
+          <a:bodyPr/>
+          <a:lstStyle/>
+          <a:p>
+            <a:r>
+              <a:rPr lang="zh-TW" altLang="en-US" dirty="0"/>
+              <a:t>卷積神經網路原理介紹</a:t>
+            </a:r>
+            <a:endParaRPr lang="en-US" altLang="zh-TW" dirty="0"/>
+          </a:p>
+          <a:p>
+            <a:r>
+              <a:rPr lang="en-US" altLang="zh-TW" dirty="0" err="1"/>
+              <a:t>Gradcam</a:t>
+            </a:r>
+            <a:r>
+              <a:rPr lang="zh-TW" altLang="en-US" dirty="0"/>
+              <a:t>原理介紹</a:t>
+            </a:r>
+            <a:endParaRPr lang="en-US" altLang="zh-TW" dirty="0"/>
+          </a:p>
+          <a:p>
+            <a:r>
+              <a:rPr lang="zh-TW" altLang="en-US" dirty="0"/>
+              <a:t>四種模型介紹</a:t>
+            </a:r>
+            <a:r>
+              <a:rPr lang="en-US" altLang="zh-TW" dirty="0"/>
+              <a:t>(</a:t>
+            </a:r>
+            <a:r>
+              <a:rPr lang="zh-TW" altLang="en-US" dirty="0"/>
+              <a:t>貓狗、手寫字、貓科動物、海洋生物</a:t>
+            </a:r>
+            <a:r>
+              <a:rPr lang="en-US" altLang="zh-TW" dirty="0"/>
+              <a:t>)</a:t>
+            </a:r>
+          </a:p>
+          <a:p>
+            <a:endParaRPr lang="zh-TW" altLang="en-US" dirty="0"/>
+          </a:p>
+        </p:txBody>
+      </p:sp>
+    </p:spTree>
+    <p:extLst>
+      <p:ext uri="{BB962C8B-B14F-4D97-AF65-F5344CB8AC3E}">
+        <p14:creationId xmlns:p14="http://schemas.microsoft.com/office/powerpoint/2010/main" val="3789563183"/>
+      </p:ext>
+    </p:extLst>
+  </p:cSld>
+  <p:clrMapOvr>
+    <a:masterClrMapping/>
+  </p:clrMapOvr>
+</p:sld>
+</file>
+
+<file path=ppt/slides/slide5.xml><?xml version="1.0" encoding="utf-8"?>
+<p:sld xmlns:a="http://schemas.openxmlformats.org/drawingml/2006/main" xmlns:r="http://schemas.openxmlformats.org/officeDocument/2006/relationships" xmlns:p="http://schemas.openxmlformats.org/presentationml/2006/main">
+  <p:cSld>
+    <p:spTree>
+      <p:nvGrpSpPr>
+        <p:cNvPr id="1" name=""/>
+        <p:cNvGrpSpPr/>
+        <p:nvPr/>
+      </p:nvGrpSpPr>
+      <p:grpSpPr>
+        <a:xfrm>
+          <a:off x="0" y="0"/>
+          <a:ext cx="0" cy="0"/>
+          <a:chOff x="0" y="0"/>
+          <a:chExt cx="0" cy="0"/>
+        </a:xfrm>
+      </p:grpSpPr>
+      <p:sp>
+        <p:nvSpPr>
+          <p:cNvPr id="4" name="標題 3">
+            <a:extLst>
+              <a:ext uri="{FF2B5EF4-FFF2-40B4-BE49-F238E27FC236}">
+                <a16:creationId xmlns:a16="http://schemas.microsoft.com/office/drawing/2014/main" id="{800B91A7-AE6E-25C4-2D25-EB692A4F5E36}"/>
+              </a:ext>
+            </a:extLst>
+          </p:cNvPr>
+          <p:cNvSpPr>
+            <a:spLocks noGrp="1"/>
+          </p:cNvSpPr>
+          <p:nvPr>
+            <p:ph type="ctrTitle"/>
+          </p:nvPr>
+        </p:nvSpPr>
+        <p:spPr/>
+        <p:txBody>
+          <a:bodyPr/>
+          <a:lstStyle/>
+          <a:p>
+            <a:r>
+              <a:rPr lang="zh-TW" altLang="en-US" dirty="0"/>
+              <a:t>神經網路</a:t>
+            </a:r>
+            <a:r>
+              <a:rPr lang="en-US" altLang="zh-TW" dirty="0"/>
+              <a:t>(NN)</a:t>
+            </a:r>
+            <a:endParaRPr lang="zh-TW" altLang="en-US" dirty="0"/>
+          </a:p>
+        </p:txBody>
+      </p:sp>
+      <p:sp>
+        <p:nvSpPr>
+          <p:cNvPr id="5" name="副標題 4">
+            <a:extLst>
+              <a:ext uri="{FF2B5EF4-FFF2-40B4-BE49-F238E27FC236}">
+                <a16:creationId xmlns:a16="http://schemas.microsoft.com/office/drawing/2014/main" id="{45B2A0A0-5EA8-BB4A-FE8B-3E0056F41055}"/>
+              </a:ext>
+            </a:extLst>
+          </p:cNvPr>
+          <p:cNvSpPr>
+            <a:spLocks noGrp="1"/>
+          </p:cNvSpPr>
+          <p:nvPr>
+            <p:ph type="subTitle" idx="1"/>
+          </p:nvPr>
+        </p:nvSpPr>
+        <p:spPr/>
+        <p:txBody>
+          <a:bodyPr/>
+          <a:lstStyle/>
+          <a:p>
+            <a:endParaRPr lang="zh-TW" altLang="en-US"/>
+          </a:p>
+        </p:txBody>
+      </p:sp>
+    </p:spTree>
+    <p:extLst>
+      <p:ext uri="{BB962C8B-B14F-4D97-AF65-F5344CB8AC3E}">
+        <p14:creationId xmlns:p14="http://schemas.microsoft.com/office/powerpoint/2010/main" val="2116619762"/>
+      </p:ext>
+    </p:extLst>
+  </p:cSld>
+  <p:clrMapOvr>
+    <a:masterClrMapping/>
+  </p:clrMapOvr>
+</p:sld>
+</file>
+
+<file path=ppt/slides/slide6.xml><?xml version="1.0" encoding="utf-8"?>
+<p:sld xmlns:a="http://schemas.openxmlformats.org/drawingml/2006/main" xmlns:r="http://schemas.openxmlformats.org/officeDocument/2006/relationships" xmlns:p="http://schemas.openxmlformats.org/presentationml/2006/main">
+  <p:cSld>
+    <p:spTree>
+      <p:nvGrpSpPr>
+        <p:cNvPr id="1" name=""/>
+        <p:cNvGrpSpPr/>
+        <p:nvPr/>
+      </p:nvGrpSpPr>
+      <p:grpSpPr>
+        <a:xfrm>
+          <a:off x="0" y="0"/>
+          <a:ext cx="0" cy="0"/>
+          <a:chOff x="0" y="0"/>
+          <a:chExt cx="0" cy="0"/>
+        </a:xfrm>
+      </p:grpSpPr>
+      <p:sp>
+        <p:nvSpPr>
+          <p:cNvPr id="2" name="標題 1">
+            <a:extLst>
+              <a:ext uri="{FF2B5EF4-FFF2-40B4-BE49-F238E27FC236}">
                 <a16:creationId xmlns:a16="http://schemas.microsoft.com/office/drawing/2014/main" id="{61386CDE-6027-F677-0FA6-FFDCC01ED20D}"/>
               </a:ext>
             </a:extLst>
@@ -5283,7 +7396,7 @@
 </p:sld>
 </file>
 
-<file path=ppt/slides/slide3.xml><?xml version="1.0" encoding="utf-8"?>
+<file path=ppt/slides/slide7.xml><?xml version="1.0" encoding="utf-8"?>
 <p:sld xmlns:a="http://schemas.openxmlformats.org/drawingml/2006/main" xmlns:r="http://schemas.openxmlformats.org/officeDocument/2006/relationships" xmlns:p="http://schemas.openxmlformats.org/presentationml/2006/main">
   <p:cSld>
     <p:spTree>
@@ -5911,7 +8024,7 @@
 </p:sld>
 </file>
 
-<file path=ppt/slides/slide4.xml><?xml version="1.0" encoding="utf-8"?>
+<file path=ppt/slides/slide8.xml><?xml version="1.0" encoding="utf-8"?>
 <p:sld xmlns:a="http://schemas.openxmlformats.org/drawingml/2006/main" xmlns:r="http://schemas.openxmlformats.org/officeDocument/2006/relationships" xmlns:p="http://schemas.openxmlformats.org/presentationml/2006/main">
   <p:cSld>
     <p:spTree>
@@ -6040,1338 +8153,7 @@
 </p:sld>
 </file>
 
-<file path=ppt/slides/slide5.xml><?xml version="1.0" encoding="utf-8"?>
-<p:sld xmlns:a="http://schemas.openxmlformats.org/drawingml/2006/main" xmlns:r="http://schemas.openxmlformats.org/officeDocument/2006/relationships" xmlns:p="http://schemas.openxmlformats.org/presentationml/2006/main">
-  <p:cSld>
-    <p:spTree>
-      <p:nvGrpSpPr>
-        <p:cNvPr id="1" name=""/>
-        <p:cNvGrpSpPr/>
-        <p:nvPr/>
-      </p:nvGrpSpPr>
-      <p:grpSpPr>
-        <a:xfrm>
-          <a:off x="0" y="0"/>
-          <a:ext cx="0" cy="0"/>
-          <a:chOff x="0" y="0"/>
-          <a:chExt cx="0" cy="0"/>
-        </a:xfrm>
-      </p:grpSpPr>
-      <p:sp>
-        <p:nvSpPr>
-          <p:cNvPr id="2" name="標題 1">
-            <a:extLst>
-              <a:ext uri="{FF2B5EF4-FFF2-40B4-BE49-F238E27FC236}">
-                <a16:creationId xmlns:a16="http://schemas.microsoft.com/office/drawing/2014/main" id="{230928D0-8701-8525-5A68-73E422D43D0A}"/>
-              </a:ext>
-            </a:extLst>
-          </p:cNvPr>
-          <p:cNvSpPr>
-            <a:spLocks noGrp="1"/>
-          </p:cNvSpPr>
-          <p:nvPr>
-            <p:ph type="title"/>
-          </p:nvPr>
-        </p:nvSpPr>
-        <p:spPr/>
-        <p:txBody>
-          <a:bodyPr/>
-          <a:lstStyle/>
-          <a:p>
-            <a:r>
-              <a:rPr lang="zh-TW" altLang="en-US" dirty="0"/>
-              <a:t>怎麼知道權重要設多少</a:t>
-            </a:r>
-            <a:r>
-              <a:rPr lang="en-US" altLang="zh-TW" dirty="0"/>
-              <a:t>?</a:t>
-            </a:r>
-            <a:endParaRPr lang="zh-TW" altLang="en-US" dirty="0"/>
-          </a:p>
-        </p:txBody>
-      </p:sp>
-      <p:sp>
-        <p:nvSpPr>
-          <p:cNvPr id="4" name="文字方塊 3">
-            <a:extLst>
-              <a:ext uri="{FF2B5EF4-FFF2-40B4-BE49-F238E27FC236}">
-                <a16:creationId xmlns:a16="http://schemas.microsoft.com/office/drawing/2014/main" id="{95A51AC3-C4B8-9947-3DD4-0117E4420FF1}"/>
-              </a:ext>
-            </a:extLst>
-          </p:cNvPr>
-          <p:cNvSpPr txBox="1"/>
-          <p:nvPr/>
-        </p:nvSpPr>
-        <p:spPr>
-          <a:xfrm>
-            <a:off x="831850" y="5327779"/>
-            <a:ext cx="8369559" cy="523220"/>
-          </a:xfrm>
-          <a:prstGeom prst="rect">
-            <a:avLst/>
-          </a:prstGeom>
-          <a:noFill/>
-        </p:spPr>
-        <p:txBody>
-          <a:bodyPr wrap="square" rtlCol="0">
-            <a:spAutoFit/>
-          </a:bodyPr>
-          <a:lstStyle/>
-          <a:p>
-            <a:r>
-              <a:rPr lang="zh-TW" altLang="en-US" sz="2800" dirty="0"/>
-              <a:t>神經網路預測訓練的資料，誤差應該最小</a:t>
-            </a:r>
-            <a:endParaRPr lang="en-US" altLang="zh-TW" sz="2800" dirty="0"/>
-          </a:p>
-        </p:txBody>
-      </p:sp>
-    </p:spTree>
-    <p:extLst>
-      <p:ext uri="{BB962C8B-B14F-4D97-AF65-F5344CB8AC3E}">
-        <p14:creationId xmlns:p14="http://schemas.microsoft.com/office/powerpoint/2010/main" val="3340873469"/>
-      </p:ext>
-    </p:extLst>
-  </p:cSld>
-  <p:clrMapOvr>
-    <a:masterClrMapping/>
-  </p:clrMapOvr>
-</p:sld>
-</file>
-
-<file path=ppt/slides/slide6.xml><?xml version="1.0" encoding="utf-8"?>
-<p:sld xmlns:a="http://schemas.openxmlformats.org/drawingml/2006/main" xmlns:r="http://schemas.openxmlformats.org/officeDocument/2006/relationships" xmlns:p="http://schemas.openxmlformats.org/presentationml/2006/main">
-  <p:cSld>
-    <p:spTree>
-      <p:nvGrpSpPr>
-        <p:cNvPr id="1" name=""/>
-        <p:cNvGrpSpPr/>
-        <p:nvPr/>
-      </p:nvGrpSpPr>
-      <p:grpSpPr>
-        <a:xfrm>
-          <a:off x="0" y="0"/>
-          <a:ext cx="0" cy="0"/>
-          <a:chOff x="0" y="0"/>
-          <a:chExt cx="0" cy="0"/>
-        </a:xfrm>
-      </p:grpSpPr>
-      <p:sp>
-        <p:nvSpPr>
-          <p:cNvPr id="2" name="標題 1">
-            <a:extLst>
-              <a:ext uri="{FF2B5EF4-FFF2-40B4-BE49-F238E27FC236}">
-                <a16:creationId xmlns:a16="http://schemas.microsoft.com/office/drawing/2014/main" id="{093C32A3-120A-FE6E-BA05-35E1153F24C4}"/>
-              </a:ext>
-            </a:extLst>
-          </p:cNvPr>
-          <p:cNvSpPr>
-            <a:spLocks noGrp="1"/>
-          </p:cNvSpPr>
-          <p:nvPr>
-            <p:ph type="title"/>
-          </p:nvPr>
-        </p:nvSpPr>
-        <p:spPr/>
-        <p:txBody>
-          <a:bodyPr/>
-          <a:lstStyle/>
-          <a:p>
-            <a:r>
-              <a:rPr lang="zh-TW" altLang="en-US" dirty="0"/>
-              <a:t>損失函數</a:t>
-            </a:r>
-          </a:p>
-        </p:txBody>
-      </p:sp>
-      <p:pic>
-        <p:nvPicPr>
-          <p:cNvPr id="5" name="內容版面配置區 4" descr="一張含有 字型, 文字, 白色, 行 的圖片&#10;&#10;自動產生的描述">
-            <a:extLst>
-              <a:ext uri="{FF2B5EF4-FFF2-40B4-BE49-F238E27FC236}">
-                <a16:creationId xmlns:a16="http://schemas.microsoft.com/office/drawing/2014/main" id="{94F218FD-7314-1F82-5E22-740FA10C2764}"/>
-              </a:ext>
-            </a:extLst>
-          </p:cNvPr>
-          <p:cNvPicPr>
-            <a:picLocks noGrp="1" noChangeAspect="1"/>
-          </p:cNvPicPr>
-          <p:nvPr>
-            <p:ph idx="1"/>
-          </p:nvPr>
-        </p:nvPicPr>
-        <p:blipFill>
-          <a:blip r:embed="rId2">
-            <a:extLst>
-              <a:ext uri="{28A0092B-C50C-407E-A947-70E740481C1C}">
-                <a14:useLocalDpi xmlns:a14="http://schemas.microsoft.com/office/drawing/2010/main" val="0"/>
-              </a:ext>
-            </a:extLst>
-          </a:blip>
-          <a:stretch>
-            <a:fillRect/>
-          </a:stretch>
-        </p:blipFill>
-        <p:spPr>
-          <a:xfrm>
-            <a:off x="992234" y="4864298"/>
-            <a:ext cx="6687209" cy="968885"/>
-          </a:xfrm>
-        </p:spPr>
-      </p:pic>
-      <p:pic>
-        <p:nvPicPr>
-          <p:cNvPr id="7" name="圖片 6" descr="一張含有 文字, 字型, 筆跡, 行 的圖片&#10;&#10;自動產生的描述">
-            <a:extLst>
-              <a:ext uri="{FF2B5EF4-FFF2-40B4-BE49-F238E27FC236}">
-                <a16:creationId xmlns:a16="http://schemas.microsoft.com/office/drawing/2014/main" id="{1C566DFB-7CAE-DDC0-2F9F-E07006414B51}"/>
-              </a:ext>
-            </a:extLst>
-          </p:cNvPr>
-          <p:cNvPicPr>
-            <a:picLocks noChangeAspect="1"/>
-          </p:cNvPicPr>
-          <p:nvPr/>
-        </p:nvPicPr>
-        <p:blipFill>
-          <a:blip r:embed="rId3">
-            <a:extLst>
-              <a:ext uri="{28A0092B-C50C-407E-A947-70E740481C1C}">
-                <a14:useLocalDpi xmlns:a14="http://schemas.microsoft.com/office/drawing/2010/main" val="0"/>
-              </a:ext>
-            </a:extLst>
-          </a:blip>
-          <a:stretch>
-            <a:fillRect/>
-          </a:stretch>
-        </p:blipFill>
-        <p:spPr>
-          <a:xfrm>
-            <a:off x="992234" y="2632770"/>
-            <a:ext cx="4942037" cy="1387613"/>
-          </a:xfrm>
-          <a:prstGeom prst="rect">
-            <a:avLst/>
-          </a:prstGeom>
-        </p:spPr>
-      </p:pic>
-      <p:sp>
-        <p:nvSpPr>
-          <p:cNvPr id="8" name="文字方塊 7">
-            <a:extLst>
-              <a:ext uri="{FF2B5EF4-FFF2-40B4-BE49-F238E27FC236}">
-                <a16:creationId xmlns:a16="http://schemas.microsoft.com/office/drawing/2014/main" id="{0F237F59-5E57-C7BB-7D73-12F21A16B824}"/>
-              </a:ext>
-            </a:extLst>
-          </p:cNvPr>
-          <p:cNvSpPr txBox="1"/>
-          <p:nvPr/>
-        </p:nvSpPr>
-        <p:spPr>
-          <a:xfrm>
-            <a:off x="3144417" y="1648354"/>
-            <a:ext cx="4077478" cy="461665"/>
-          </a:xfrm>
-          <a:prstGeom prst="rect">
-            <a:avLst/>
-          </a:prstGeom>
-          <a:noFill/>
-        </p:spPr>
-        <p:txBody>
-          <a:bodyPr wrap="square" rtlCol="0">
-            <a:spAutoFit/>
-          </a:bodyPr>
-          <a:lstStyle/>
-          <a:p>
-            <a:r>
-              <a:rPr lang="en-US" altLang="zh-TW" sz="2400" dirty="0"/>
-              <a:t>m</a:t>
-            </a:r>
-            <a:r>
-              <a:rPr lang="zh-TW" altLang="en-US" sz="2400" dirty="0"/>
-              <a:t>個訓練資料</a:t>
-            </a:r>
-          </a:p>
-        </p:txBody>
-      </p:sp>
-      <p:sp>
-        <p:nvSpPr>
-          <p:cNvPr id="9" name="左大括弧 8">
-            <a:extLst>
-              <a:ext uri="{FF2B5EF4-FFF2-40B4-BE49-F238E27FC236}">
-                <a16:creationId xmlns:a16="http://schemas.microsoft.com/office/drawing/2014/main" id="{3634B628-487E-ABE5-65CB-7C24F545B528}"/>
-              </a:ext>
-            </a:extLst>
-          </p:cNvPr>
-          <p:cNvSpPr/>
-          <p:nvPr/>
-        </p:nvSpPr>
-        <p:spPr>
-          <a:xfrm rot="5400000">
-            <a:off x="3860643" y="1063138"/>
-            <a:ext cx="461663" cy="2696550"/>
-          </a:xfrm>
-          <a:prstGeom prst="leftBrace">
-            <a:avLst>
-              <a:gd name="adj1" fmla="val 0"/>
-              <a:gd name="adj2" fmla="val 50000"/>
-            </a:avLst>
-          </a:prstGeom>
-        </p:spPr>
-        <p:style>
-          <a:lnRef idx="1">
-            <a:schemeClr val="accent1"/>
-          </a:lnRef>
-          <a:fillRef idx="0">
-            <a:schemeClr val="accent1"/>
-          </a:fillRef>
-          <a:effectRef idx="0">
-            <a:schemeClr val="accent1"/>
-          </a:effectRef>
-          <a:fontRef idx="minor">
-            <a:schemeClr val="tx1"/>
-          </a:fontRef>
-        </p:style>
-        <p:txBody>
-          <a:bodyPr rtlCol="0" anchor="ctr"/>
-          <a:lstStyle/>
-          <a:p>
-            <a:pPr algn="ctr"/>
-            <a:endParaRPr lang="zh-TW" altLang="en-US"/>
-          </a:p>
-        </p:txBody>
-      </p:sp>
-      <p:sp>
-        <p:nvSpPr>
-          <p:cNvPr id="10" name="文字方塊 9">
-            <a:extLst>
-              <a:ext uri="{FF2B5EF4-FFF2-40B4-BE49-F238E27FC236}">
-                <a16:creationId xmlns:a16="http://schemas.microsoft.com/office/drawing/2014/main" id="{DFAC69CC-AE77-4333-6E83-D4E8C52E9CE9}"/>
-              </a:ext>
-            </a:extLst>
-          </p:cNvPr>
-          <p:cNvSpPr txBox="1"/>
-          <p:nvPr/>
-        </p:nvSpPr>
-        <p:spPr>
-          <a:xfrm>
-            <a:off x="992234" y="4343079"/>
-            <a:ext cx="2584580" cy="400110"/>
-          </a:xfrm>
-          <a:prstGeom prst="rect">
-            <a:avLst/>
-          </a:prstGeom>
-          <a:noFill/>
-        </p:spPr>
-        <p:txBody>
-          <a:bodyPr wrap="square" rtlCol="0">
-            <a:spAutoFit/>
-          </a:bodyPr>
-          <a:lstStyle/>
-          <a:p>
-            <a:r>
-              <a:rPr lang="zh-TW" altLang="en-US" sz="2000" b="1" dirty="0"/>
-              <a:t>均方差損失函數</a:t>
-            </a:r>
-            <a:r>
-              <a:rPr lang="en-US" altLang="zh-TW" sz="2000" b="1" dirty="0"/>
-              <a:t>:</a:t>
-            </a:r>
-          </a:p>
-        </p:txBody>
-      </p:sp>
-    </p:spTree>
-    <p:extLst>
-      <p:ext uri="{BB962C8B-B14F-4D97-AF65-F5344CB8AC3E}">
-        <p14:creationId xmlns:p14="http://schemas.microsoft.com/office/powerpoint/2010/main" val="385988567"/>
-      </p:ext>
-    </p:extLst>
-  </p:cSld>
-  <p:clrMapOvr>
-    <a:masterClrMapping/>
-  </p:clrMapOvr>
-</p:sld>
-</file>
-
-<file path=ppt/slides/slide7.xml><?xml version="1.0" encoding="utf-8"?>
-<p:sld xmlns:a="http://schemas.openxmlformats.org/drawingml/2006/main" xmlns:r="http://schemas.openxmlformats.org/officeDocument/2006/relationships" xmlns:p="http://schemas.openxmlformats.org/presentationml/2006/main">
-  <p:cSld>
-    <p:spTree>
-      <p:nvGrpSpPr>
-        <p:cNvPr id="1" name=""/>
-        <p:cNvGrpSpPr/>
-        <p:nvPr/>
-      </p:nvGrpSpPr>
-      <p:grpSpPr>
-        <a:xfrm>
-          <a:off x="0" y="0"/>
-          <a:ext cx="0" cy="0"/>
-          <a:chOff x="0" y="0"/>
-          <a:chExt cx="0" cy="0"/>
-        </a:xfrm>
-      </p:grpSpPr>
-      <p:sp>
-        <p:nvSpPr>
-          <p:cNvPr id="2" name="標題 1">
-            <a:extLst>
-              <a:ext uri="{FF2B5EF4-FFF2-40B4-BE49-F238E27FC236}">
-                <a16:creationId xmlns:a16="http://schemas.microsoft.com/office/drawing/2014/main" id="{A574ED86-DDFA-ED4A-3A32-82E2EFE60BDB}"/>
-              </a:ext>
-            </a:extLst>
-          </p:cNvPr>
-          <p:cNvSpPr>
-            <a:spLocks noGrp="1"/>
-          </p:cNvSpPr>
-          <p:nvPr>
-            <p:ph type="title"/>
-          </p:nvPr>
-        </p:nvSpPr>
-        <p:spPr>
-          <a:xfrm>
-            <a:off x="838200" y="327803"/>
-            <a:ext cx="10515600" cy="1325563"/>
-          </a:xfrm>
-        </p:spPr>
-        <p:txBody>
-          <a:bodyPr/>
-          <a:lstStyle/>
-          <a:p>
-            <a:r>
-              <a:rPr lang="zh-TW" altLang="en-US" dirty="0"/>
-              <a:t>反向傳播</a:t>
-            </a:r>
-          </a:p>
-        </p:txBody>
-      </p:sp>
-      <p:sp>
-        <p:nvSpPr>
-          <p:cNvPr id="3" name="內容版面配置區 2">
-            <a:extLst>
-              <a:ext uri="{FF2B5EF4-FFF2-40B4-BE49-F238E27FC236}">
-                <a16:creationId xmlns:a16="http://schemas.microsoft.com/office/drawing/2014/main" id="{C6B01FE1-DE55-D55C-0020-ECB8C62740A6}"/>
-              </a:ext>
-            </a:extLst>
-          </p:cNvPr>
-          <p:cNvSpPr>
-            <a:spLocks noGrp="1"/>
-          </p:cNvSpPr>
-          <p:nvPr>
-            <p:ph idx="1"/>
-          </p:nvPr>
-        </p:nvSpPr>
-        <p:spPr/>
-        <p:txBody>
-          <a:bodyPr/>
-          <a:lstStyle/>
-          <a:p>
-            <a:r>
-              <a:rPr lang="zh-TW" altLang="en-US" dirty="0"/>
-              <a:t>梯度下降法</a:t>
-            </a:r>
-            <a:r>
-              <a:rPr lang="en-US" altLang="zh-TW" dirty="0"/>
-              <a:t>_</a:t>
-            </a:r>
-            <a:r>
-              <a:rPr lang="zh-TW" altLang="en-US" dirty="0"/>
-              <a:t>更新權重，最小化</a:t>
-            </a:r>
-          </a:p>
-          <a:p>
-            <a:endParaRPr lang="zh-TW" altLang="en-US" dirty="0"/>
-          </a:p>
-        </p:txBody>
-      </p:sp>
-      <p:pic>
-        <p:nvPicPr>
-          <p:cNvPr id="4" name="內容版面配置區 17" descr="一張含有 圖表, 行, 圓形, 寫生 的圖片&#10;&#10;自動產生的描述">
-            <a:extLst>
-              <a:ext uri="{FF2B5EF4-FFF2-40B4-BE49-F238E27FC236}">
-                <a16:creationId xmlns:a16="http://schemas.microsoft.com/office/drawing/2014/main" id="{16F95200-B690-F071-F34D-BBD976D9A41C}"/>
-              </a:ext>
-            </a:extLst>
-          </p:cNvPr>
-          <p:cNvPicPr>
-            <a:picLocks noChangeAspect="1"/>
-          </p:cNvPicPr>
-          <p:nvPr/>
-        </p:nvPicPr>
-        <p:blipFill>
-          <a:blip r:embed="rId2">
-            <a:extLst>
-              <a:ext uri="{28A0092B-C50C-407E-A947-70E740481C1C}">
-                <a14:useLocalDpi xmlns:a14="http://schemas.microsoft.com/office/drawing/2010/main" val="0"/>
-              </a:ext>
-            </a:extLst>
-          </a:blip>
-          <a:stretch>
-            <a:fillRect/>
-          </a:stretch>
-        </p:blipFill>
-        <p:spPr>
-          <a:xfrm>
-            <a:off x="6988815" y="2870626"/>
-            <a:ext cx="4886715" cy="2969358"/>
-          </a:xfrm>
-          <a:prstGeom prst="rect">
-            <a:avLst/>
-          </a:prstGeom>
-        </p:spPr>
-      </p:pic>
-      <p:pic>
-        <p:nvPicPr>
-          <p:cNvPr id="5" name="內容版面配置區 8" descr="一張含有 圖表, 圓形, 行 的圖片&#10;&#10;自動產生的描述">
-            <a:extLst>
-              <a:ext uri="{FF2B5EF4-FFF2-40B4-BE49-F238E27FC236}">
-                <a16:creationId xmlns:a16="http://schemas.microsoft.com/office/drawing/2014/main" id="{214D340D-F641-BCE9-A35C-E2DEF3A57907}"/>
-              </a:ext>
-            </a:extLst>
-          </p:cNvPr>
-          <p:cNvPicPr>
-            <a:picLocks noChangeAspect="1"/>
-          </p:cNvPicPr>
-          <p:nvPr/>
-        </p:nvPicPr>
-        <p:blipFill>
-          <a:blip r:embed="rId3">
-            <a:extLst>
-              <a:ext uri="{28A0092B-C50C-407E-A947-70E740481C1C}">
-                <a14:useLocalDpi xmlns:a14="http://schemas.microsoft.com/office/drawing/2010/main" val="0"/>
-              </a:ext>
-            </a:extLst>
-          </a:blip>
-          <a:stretch>
-            <a:fillRect/>
-          </a:stretch>
-        </p:blipFill>
-        <p:spPr>
-          <a:xfrm>
-            <a:off x="316470" y="2981324"/>
-            <a:ext cx="6313294" cy="2747963"/>
-          </a:xfrm>
-          <a:prstGeom prst="rect">
-            <a:avLst/>
-          </a:prstGeom>
-        </p:spPr>
-      </p:pic>
-      <p:cxnSp>
-        <p:nvCxnSpPr>
-          <p:cNvPr id="7" name="直線單箭頭接點 6">
-            <a:extLst>
-              <a:ext uri="{FF2B5EF4-FFF2-40B4-BE49-F238E27FC236}">
-                <a16:creationId xmlns:a16="http://schemas.microsoft.com/office/drawing/2014/main" id="{550B1B6F-1E8A-3BE2-0523-1519FF897986}"/>
-              </a:ext>
-            </a:extLst>
-          </p:cNvPr>
-          <p:cNvCxnSpPr/>
-          <p:nvPr/>
-        </p:nvCxnSpPr>
-        <p:spPr>
-          <a:xfrm flipH="1">
-            <a:off x="1788941" y="2715207"/>
-            <a:ext cx="3368352" cy="0"/>
-          </a:xfrm>
-          <a:prstGeom prst="straightConnector1">
-            <a:avLst/>
-          </a:prstGeom>
-          <a:ln w="76200">
-            <a:solidFill>
-              <a:srgbClr val="C00000"/>
-            </a:solidFill>
-            <a:tailEnd type="triangle"/>
-          </a:ln>
-        </p:spPr>
-        <p:style>
-          <a:lnRef idx="1">
-            <a:schemeClr val="accent1"/>
-          </a:lnRef>
-          <a:fillRef idx="0">
-            <a:schemeClr val="accent1"/>
-          </a:fillRef>
-          <a:effectRef idx="0">
-            <a:schemeClr val="accent1"/>
-          </a:effectRef>
-          <a:fontRef idx="minor">
-            <a:schemeClr val="tx1"/>
-          </a:fontRef>
-        </p:style>
-      </p:cxnSp>
-      <p:pic>
-        <p:nvPicPr>
-          <p:cNvPr id="9" name="內容版面配置區 4" descr="一張含有 字型, 文字, 白色, 行 的圖片&#10;&#10;自動產生的描述">
-            <a:extLst>
-              <a:ext uri="{FF2B5EF4-FFF2-40B4-BE49-F238E27FC236}">
-                <a16:creationId xmlns:a16="http://schemas.microsoft.com/office/drawing/2014/main" id="{7188644F-2F9F-89DC-8466-58F955ACF2A6}"/>
-              </a:ext>
-            </a:extLst>
-          </p:cNvPr>
-          <p:cNvPicPr>
-            <a:picLocks noChangeAspect="1"/>
-          </p:cNvPicPr>
-          <p:nvPr/>
-        </p:nvPicPr>
-        <p:blipFill>
-          <a:blip r:embed="rId4">
-            <a:extLst>
-              <a:ext uri="{28A0092B-C50C-407E-A947-70E740481C1C}">
-                <a14:useLocalDpi xmlns:a14="http://schemas.microsoft.com/office/drawing/2010/main" val="0"/>
-              </a:ext>
-            </a:extLst>
-          </a:blip>
-          <a:stretch>
-            <a:fillRect/>
-          </a:stretch>
-        </p:blipFill>
-        <p:spPr>
-          <a:xfrm>
-            <a:off x="5985028" y="1653366"/>
-            <a:ext cx="5890502" cy="853453"/>
-          </a:xfrm>
-          <a:prstGeom prst="rect">
-            <a:avLst/>
-          </a:prstGeom>
-        </p:spPr>
-      </p:pic>
-      <p:sp>
-        <p:nvSpPr>
-          <p:cNvPr id="12" name="手繪多邊形: 圖案 11">
-            <a:extLst>
-              <a:ext uri="{FF2B5EF4-FFF2-40B4-BE49-F238E27FC236}">
-                <a16:creationId xmlns:a16="http://schemas.microsoft.com/office/drawing/2014/main" id="{65107F68-C2A7-036A-7B24-9D7B2BF2A48A}"/>
-              </a:ext>
-            </a:extLst>
-          </p:cNvPr>
-          <p:cNvSpPr/>
-          <p:nvPr/>
-        </p:nvSpPr>
-        <p:spPr>
-          <a:xfrm>
-            <a:off x="7621983" y="2758516"/>
-            <a:ext cx="1260760" cy="2391982"/>
-          </a:xfrm>
-          <a:custGeom>
-            <a:avLst/>
-            <a:gdLst>
-              <a:gd name="connsiteX0" fmla="*/ 327699 w 1260760"/>
-              <a:gd name="connsiteY0" fmla="*/ 12676 h 2391982"/>
-              <a:gd name="connsiteX1" fmla="*/ 262384 w 1260760"/>
-              <a:gd name="connsiteY1" fmla="*/ 22006 h 2391982"/>
-              <a:gd name="connsiteX2" fmla="*/ 197070 w 1260760"/>
-              <a:gd name="connsiteY2" fmla="*/ 68660 h 2391982"/>
-              <a:gd name="connsiteX3" fmla="*/ 159748 w 1260760"/>
-              <a:gd name="connsiteY3" fmla="*/ 87321 h 2391982"/>
-              <a:gd name="connsiteX4" fmla="*/ 141086 w 1260760"/>
-              <a:gd name="connsiteY4" fmla="*/ 124643 h 2391982"/>
-              <a:gd name="connsiteX5" fmla="*/ 113095 w 1260760"/>
-              <a:gd name="connsiteY5" fmla="*/ 171296 h 2391982"/>
-              <a:gd name="connsiteX6" fmla="*/ 85103 w 1260760"/>
-              <a:gd name="connsiteY6" fmla="*/ 264602 h 2391982"/>
-              <a:gd name="connsiteX7" fmla="*/ 75772 w 1260760"/>
-              <a:gd name="connsiteY7" fmla="*/ 516529 h 2391982"/>
-              <a:gd name="connsiteX8" fmla="*/ 47780 w 1260760"/>
-              <a:gd name="connsiteY8" fmla="*/ 675149 h 2391982"/>
-              <a:gd name="connsiteX9" fmla="*/ 29119 w 1260760"/>
-              <a:gd name="connsiteY9" fmla="*/ 703141 h 2391982"/>
-              <a:gd name="connsiteX10" fmla="*/ 10458 w 1260760"/>
-              <a:gd name="connsiteY10" fmla="*/ 1048374 h 2391982"/>
-              <a:gd name="connsiteX11" fmla="*/ 38450 w 1260760"/>
-              <a:gd name="connsiteY11" fmla="*/ 1710847 h 2391982"/>
-              <a:gd name="connsiteX12" fmla="*/ 66441 w 1260760"/>
-              <a:gd name="connsiteY12" fmla="*/ 1822815 h 2391982"/>
-              <a:gd name="connsiteX13" fmla="*/ 75772 w 1260760"/>
-              <a:gd name="connsiteY13" fmla="*/ 1860137 h 2391982"/>
-              <a:gd name="connsiteX14" fmla="*/ 131756 w 1260760"/>
-              <a:gd name="connsiteY14" fmla="*/ 1972104 h 2391982"/>
-              <a:gd name="connsiteX15" fmla="*/ 206401 w 1260760"/>
-              <a:gd name="connsiteY15" fmla="*/ 2046749 h 2391982"/>
-              <a:gd name="connsiteX16" fmla="*/ 271715 w 1260760"/>
-              <a:gd name="connsiteY16" fmla="*/ 2093402 h 2391982"/>
-              <a:gd name="connsiteX17" fmla="*/ 309037 w 1260760"/>
-              <a:gd name="connsiteY17" fmla="*/ 2121394 h 2391982"/>
-              <a:gd name="connsiteX18" fmla="*/ 365021 w 1260760"/>
-              <a:gd name="connsiteY18" fmla="*/ 2149386 h 2391982"/>
-              <a:gd name="connsiteX19" fmla="*/ 393013 w 1260760"/>
-              <a:gd name="connsiteY19" fmla="*/ 2177378 h 2391982"/>
-              <a:gd name="connsiteX20" fmla="*/ 476988 w 1260760"/>
-              <a:gd name="connsiteY20" fmla="*/ 2214700 h 2391982"/>
-              <a:gd name="connsiteX21" fmla="*/ 514311 w 1260760"/>
-              <a:gd name="connsiteY21" fmla="*/ 2233362 h 2391982"/>
-              <a:gd name="connsiteX22" fmla="*/ 542303 w 1260760"/>
-              <a:gd name="connsiteY22" fmla="*/ 2252023 h 2391982"/>
-              <a:gd name="connsiteX23" fmla="*/ 579625 w 1260760"/>
-              <a:gd name="connsiteY23" fmla="*/ 2261353 h 2391982"/>
-              <a:gd name="connsiteX24" fmla="*/ 682262 w 1260760"/>
-              <a:gd name="connsiteY24" fmla="*/ 2308006 h 2391982"/>
-              <a:gd name="connsiteX25" fmla="*/ 831552 w 1260760"/>
-              <a:gd name="connsiteY25" fmla="*/ 2363990 h 2391982"/>
-              <a:gd name="connsiteX26" fmla="*/ 1008833 w 1260760"/>
-              <a:gd name="connsiteY26" fmla="*/ 2382651 h 2391982"/>
-              <a:gd name="connsiteX27" fmla="*/ 1074148 w 1260760"/>
-              <a:gd name="connsiteY27" fmla="*/ 2391982 h 2391982"/>
-              <a:gd name="connsiteX28" fmla="*/ 1214107 w 1260760"/>
-              <a:gd name="connsiteY28" fmla="*/ 2335998 h 2391982"/>
-              <a:gd name="connsiteX29" fmla="*/ 1232768 w 1260760"/>
-              <a:gd name="connsiteY29" fmla="*/ 2308006 h 2391982"/>
-              <a:gd name="connsiteX30" fmla="*/ 1251429 w 1260760"/>
-              <a:gd name="connsiteY30" fmla="*/ 2242692 h 2391982"/>
-              <a:gd name="connsiteX31" fmla="*/ 1260760 w 1260760"/>
-              <a:gd name="connsiteY31" fmla="*/ 2205370 h 2391982"/>
-              <a:gd name="connsiteX32" fmla="*/ 1251429 w 1260760"/>
-              <a:gd name="connsiteY32" fmla="*/ 2056080 h 2391982"/>
-              <a:gd name="connsiteX33" fmla="*/ 1232768 w 1260760"/>
-              <a:gd name="connsiteY33" fmla="*/ 2028088 h 2391982"/>
-              <a:gd name="connsiteX34" fmla="*/ 1223437 w 1260760"/>
-              <a:gd name="connsiteY34" fmla="*/ 1990766 h 2391982"/>
-              <a:gd name="connsiteX35" fmla="*/ 1176784 w 1260760"/>
-              <a:gd name="connsiteY35" fmla="*/ 1944113 h 2391982"/>
-              <a:gd name="connsiteX36" fmla="*/ 1102139 w 1260760"/>
-              <a:gd name="connsiteY36" fmla="*/ 1906790 h 2391982"/>
-              <a:gd name="connsiteX37" fmla="*/ 1064817 w 1260760"/>
-              <a:gd name="connsiteY37" fmla="*/ 1888129 h 2391982"/>
-              <a:gd name="connsiteX38" fmla="*/ 952850 w 1260760"/>
-              <a:gd name="connsiteY38" fmla="*/ 1869468 h 2391982"/>
-              <a:gd name="connsiteX39" fmla="*/ 915527 w 1260760"/>
-              <a:gd name="connsiteY39" fmla="*/ 1860137 h 2391982"/>
-              <a:gd name="connsiteX40" fmla="*/ 887535 w 1260760"/>
-              <a:gd name="connsiteY40" fmla="*/ 1841476 h 2391982"/>
-              <a:gd name="connsiteX41" fmla="*/ 812890 w 1260760"/>
-              <a:gd name="connsiteY41" fmla="*/ 1832145 h 2391982"/>
-              <a:gd name="connsiteX42" fmla="*/ 747576 w 1260760"/>
-              <a:gd name="connsiteY42" fmla="*/ 1804153 h 2391982"/>
-              <a:gd name="connsiteX43" fmla="*/ 672931 w 1260760"/>
-              <a:gd name="connsiteY43" fmla="*/ 1766831 h 2391982"/>
-              <a:gd name="connsiteX44" fmla="*/ 644939 w 1260760"/>
-              <a:gd name="connsiteY44" fmla="*/ 1720178 h 2391982"/>
-              <a:gd name="connsiteX45" fmla="*/ 598286 w 1260760"/>
-              <a:gd name="connsiteY45" fmla="*/ 1617541 h 2391982"/>
-              <a:gd name="connsiteX46" fmla="*/ 579625 w 1260760"/>
-              <a:gd name="connsiteY46" fmla="*/ 1561557 h 2391982"/>
-              <a:gd name="connsiteX47" fmla="*/ 570295 w 1260760"/>
-              <a:gd name="connsiteY47" fmla="*/ 1514904 h 2391982"/>
-              <a:gd name="connsiteX48" fmla="*/ 560964 w 1260760"/>
-              <a:gd name="connsiteY48" fmla="*/ 1337623 h 2391982"/>
-              <a:gd name="connsiteX49" fmla="*/ 560964 w 1260760"/>
-              <a:gd name="connsiteY49" fmla="*/ 1001721 h 2391982"/>
-              <a:gd name="connsiteX50" fmla="*/ 626278 w 1260760"/>
-              <a:gd name="connsiteY50" fmla="*/ 731133 h 2391982"/>
-              <a:gd name="connsiteX51" fmla="*/ 654270 w 1260760"/>
-              <a:gd name="connsiteY51" fmla="*/ 497868 h 2391982"/>
-              <a:gd name="connsiteX52" fmla="*/ 682262 w 1260760"/>
-              <a:gd name="connsiteY52" fmla="*/ 441884 h 2391982"/>
-              <a:gd name="connsiteX53" fmla="*/ 691593 w 1260760"/>
-              <a:gd name="connsiteY53" fmla="*/ 395231 h 2391982"/>
-              <a:gd name="connsiteX54" fmla="*/ 682262 w 1260760"/>
-              <a:gd name="connsiteY54" fmla="*/ 87321 h 2391982"/>
-              <a:gd name="connsiteX55" fmla="*/ 616948 w 1260760"/>
-              <a:gd name="connsiteY55" fmla="*/ 22006 h 2391982"/>
-              <a:gd name="connsiteX56" fmla="*/ 579625 w 1260760"/>
-              <a:gd name="connsiteY56" fmla="*/ 12676 h 2391982"/>
-              <a:gd name="connsiteX57" fmla="*/ 365021 w 1260760"/>
-              <a:gd name="connsiteY57" fmla="*/ 3345 h 2391982"/>
-              <a:gd name="connsiteX58" fmla="*/ 327699 w 1260760"/>
-              <a:gd name="connsiteY58" fmla="*/ 12676 h 2391982"/>
-            </a:gdLst>
-            <a:ahLst/>
-            <a:cxnLst>
-              <a:cxn ang="0">
-                <a:pos x="connsiteX0" y="connsiteY0"/>
-              </a:cxn>
-              <a:cxn ang="0">
-                <a:pos x="connsiteX1" y="connsiteY1"/>
-              </a:cxn>
-              <a:cxn ang="0">
-                <a:pos x="connsiteX2" y="connsiteY2"/>
-              </a:cxn>
-              <a:cxn ang="0">
-                <a:pos x="connsiteX3" y="connsiteY3"/>
-              </a:cxn>
-              <a:cxn ang="0">
-                <a:pos x="connsiteX4" y="connsiteY4"/>
-              </a:cxn>
-              <a:cxn ang="0">
-                <a:pos x="connsiteX5" y="connsiteY5"/>
-              </a:cxn>
-              <a:cxn ang="0">
-                <a:pos x="connsiteX6" y="connsiteY6"/>
-              </a:cxn>
-              <a:cxn ang="0">
-                <a:pos x="connsiteX7" y="connsiteY7"/>
-              </a:cxn>
-              <a:cxn ang="0">
-                <a:pos x="connsiteX8" y="connsiteY8"/>
-              </a:cxn>
-              <a:cxn ang="0">
-                <a:pos x="connsiteX9" y="connsiteY9"/>
-              </a:cxn>
-              <a:cxn ang="0">
-                <a:pos x="connsiteX10" y="connsiteY10"/>
-              </a:cxn>
-              <a:cxn ang="0">
-                <a:pos x="connsiteX11" y="connsiteY11"/>
-              </a:cxn>
-              <a:cxn ang="0">
-                <a:pos x="connsiteX12" y="connsiteY12"/>
-              </a:cxn>
-              <a:cxn ang="0">
-                <a:pos x="connsiteX13" y="connsiteY13"/>
-              </a:cxn>
-              <a:cxn ang="0">
-                <a:pos x="connsiteX14" y="connsiteY14"/>
-              </a:cxn>
-              <a:cxn ang="0">
-                <a:pos x="connsiteX15" y="connsiteY15"/>
-              </a:cxn>
-              <a:cxn ang="0">
-                <a:pos x="connsiteX16" y="connsiteY16"/>
-              </a:cxn>
-              <a:cxn ang="0">
-                <a:pos x="connsiteX17" y="connsiteY17"/>
-              </a:cxn>
-              <a:cxn ang="0">
-                <a:pos x="connsiteX18" y="connsiteY18"/>
-              </a:cxn>
-              <a:cxn ang="0">
-                <a:pos x="connsiteX19" y="connsiteY19"/>
-              </a:cxn>
-              <a:cxn ang="0">
-                <a:pos x="connsiteX20" y="connsiteY20"/>
-              </a:cxn>
-              <a:cxn ang="0">
-                <a:pos x="connsiteX21" y="connsiteY21"/>
-              </a:cxn>
-              <a:cxn ang="0">
-                <a:pos x="connsiteX22" y="connsiteY22"/>
-              </a:cxn>
-              <a:cxn ang="0">
-                <a:pos x="connsiteX23" y="connsiteY23"/>
-              </a:cxn>
-              <a:cxn ang="0">
-                <a:pos x="connsiteX24" y="connsiteY24"/>
-              </a:cxn>
-              <a:cxn ang="0">
-                <a:pos x="connsiteX25" y="connsiteY25"/>
-              </a:cxn>
-              <a:cxn ang="0">
-                <a:pos x="connsiteX26" y="connsiteY26"/>
-              </a:cxn>
-              <a:cxn ang="0">
-                <a:pos x="connsiteX27" y="connsiteY27"/>
-              </a:cxn>
-              <a:cxn ang="0">
-                <a:pos x="connsiteX28" y="connsiteY28"/>
-              </a:cxn>
-              <a:cxn ang="0">
-                <a:pos x="connsiteX29" y="connsiteY29"/>
-              </a:cxn>
-              <a:cxn ang="0">
-                <a:pos x="connsiteX30" y="connsiteY30"/>
-              </a:cxn>
-              <a:cxn ang="0">
-                <a:pos x="connsiteX31" y="connsiteY31"/>
-              </a:cxn>
-              <a:cxn ang="0">
-                <a:pos x="connsiteX32" y="connsiteY32"/>
-              </a:cxn>
-              <a:cxn ang="0">
-                <a:pos x="connsiteX33" y="connsiteY33"/>
-              </a:cxn>
-              <a:cxn ang="0">
-                <a:pos x="connsiteX34" y="connsiteY34"/>
-              </a:cxn>
-              <a:cxn ang="0">
-                <a:pos x="connsiteX35" y="connsiteY35"/>
-              </a:cxn>
-              <a:cxn ang="0">
-                <a:pos x="connsiteX36" y="connsiteY36"/>
-              </a:cxn>
-              <a:cxn ang="0">
-                <a:pos x="connsiteX37" y="connsiteY37"/>
-              </a:cxn>
-              <a:cxn ang="0">
-                <a:pos x="connsiteX38" y="connsiteY38"/>
-              </a:cxn>
-              <a:cxn ang="0">
-                <a:pos x="connsiteX39" y="connsiteY39"/>
-              </a:cxn>
-              <a:cxn ang="0">
-                <a:pos x="connsiteX40" y="connsiteY40"/>
-              </a:cxn>
-              <a:cxn ang="0">
-                <a:pos x="connsiteX41" y="connsiteY41"/>
-              </a:cxn>
-              <a:cxn ang="0">
-                <a:pos x="connsiteX42" y="connsiteY42"/>
-              </a:cxn>
-              <a:cxn ang="0">
-                <a:pos x="connsiteX43" y="connsiteY43"/>
-              </a:cxn>
-              <a:cxn ang="0">
-                <a:pos x="connsiteX44" y="connsiteY44"/>
-              </a:cxn>
-              <a:cxn ang="0">
-                <a:pos x="connsiteX45" y="connsiteY45"/>
-              </a:cxn>
-              <a:cxn ang="0">
-                <a:pos x="connsiteX46" y="connsiteY46"/>
-              </a:cxn>
-              <a:cxn ang="0">
-                <a:pos x="connsiteX47" y="connsiteY47"/>
-              </a:cxn>
-              <a:cxn ang="0">
-                <a:pos x="connsiteX48" y="connsiteY48"/>
-              </a:cxn>
-              <a:cxn ang="0">
-                <a:pos x="connsiteX49" y="connsiteY49"/>
-              </a:cxn>
-              <a:cxn ang="0">
-                <a:pos x="connsiteX50" y="connsiteY50"/>
-              </a:cxn>
-              <a:cxn ang="0">
-                <a:pos x="connsiteX51" y="connsiteY51"/>
-              </a:cxn>
-              <a:cxn ang="0">
-                <a:pos x="connsiteX52" y="connsiteY52"/>
-              </a:cxn>
-              <a:cxn ang="0">
-                <a:pos x="connsiteX53" y="connsiteY53"/>
-              </a:cxn>
-              <a:cxn ang="0">
-                <a:pos x="connsiteX54" y="connsiteY54"/>
-              </a:cxn>
-              <a:cxn ang="0">
-                <a:pos x="connsiteX55" y="connsiteY55"/>
-              </a:cxn>
-              <a:cxn ang="0">
-                <a:pos x="connsiteX56" y="connsiteY56"/>
-              </a:cxn>
-              <a:cxn ang="0">
-                <a:pos x="connsiteX57" y="connsiteY57"/>
-              </a:cxn>
-              <a:cxn ang="0">
-                <a:pos x="connsiteX58" y="connsiteY58"/>
-              </a:cxn>
-            </a:cxnLst>
-            <a:rect l="l" t="t" r="r" b="b"/>
-            <a:pathLst>
-              <a:path w="1260760" h="2391982">
-                <a:moveTo>
-                  <a:pt x="327699" y="12676"/>
-                </a:moveTo>
-                <a:cubicBezTo>
-                  <a:pt x="310593" y="15786"/>
-                  <a:pt x="283449" y="15686"/>
-                  <a:pt x="262384" y="22006"/>
-                </a:cubicBezTo>
-                <a:cubicBezTo>
-                  <a:pt x="254799" y="24282"/>
-                  <a:pt x="197122" y="68627"/>
-                  <a:pt x="197070" y="68660"/>
-                </a:cubicBezTo>
-                <a:cubicBezTo>
-                  <a:pt x="185275" y="76032"/>
-                  <a:pt x="172189" y="81101"/>
-                  <a:pt x="159748" y="87321"/>
-                </a:cubicBezTo>
-                <a:cubicBezTo>
-                  <a:pt x="153527" y="99762"/>
-                  <a:pt x="147841" y="112484"/>
-                  <a:pt x="141086" y="124643"/>
-                </a:cubicBezTo>
-                <a:cubicBezTo>
-                  <a:pt x="132279" y="140496"/>
-                  <a:pt x="120599" y="154786"/>
-                  <a:pt x="113095" y="171296"/>
-                </a:cubicBezTo>
-                <a:cubicBezTo>
-                  <a:pt x="100472" y="199067"/>
-                  <a:pt x="92623" y="234519"/>
-                  <a:pt x="85103" y="264602"/>
-                </a:cubicBezTo>
-                <a:cubicBezTo>
-                  <a:pt x="81993" y="348578"/>
-                  <a:pt x="80434" y="432625"/>
-                  <a:pt x="75772" y="516529"/>
-                </a:cubicBezTo>
-                <a:cubicBezTo>
-                  <a:pt x="73082" y="564951"/>
-                  <a:pt x="64645" y="628770"/>
-                  <a:pt x="47780" y="675149"/>
-                </a:cubicBezTo>
-                <a:cubicBezTo>
-                  <a:pt x="43948" y="685688"/>
-                  <a:pt x="35339" y="693810"/>
-                  <a:pt x="29119" y="703141"/>
-                </a:cubicBezTo>
-                <a:cubicBezTo>
-                  <a:pt x="1824" y="839612"/>
-                  <a:pt x="10458" y="783067"/>
-                  <a:pt x="10458" y="1048374"/>
-                </a:cubicBezTo>
-                <a:cubicBezTo>
-                  <a:pt x="10458" y="1622900"/>
-                  <a:pt x="-26469" y="1451183"/>
-                  <a:pt x="38450" y="1710847"/>
-                </a:cubicBezTo>
-                <a:cubicBezTo>
-                  <a:pt x="56236" y="1853144"/>
-                  <a:pt x="32833" y="1733193"/>
-                  <a:pt x="66441" y="1822815"/>
-                </a:cubicBezTo>
-                <a:cubicBezTo>
-                  <a:pt x="70944" y="1834822"/>
-                  <a:pt x="71169" y="1848168"/>
-                  <a:pt x="75772" y="1860137"/>
-                </a:cubicBezTo>
-                <a:cubicBezTo>
-                  <a:pt x="81908" y="1876090"/>
-                  <a:pt x="109187" y="1947278"/>
-                  <a:pt x="131756" y="1972104"/>
-                </a:cubicBezTo>
-                <a:cubicBezTo>
-                  <a:pt x="155426" y="1998141"/>
-                  <a:pt x="178251" y="2025636"/>
-                  <a:pt x="206401" y="2046749"/>
-                </a:cubicBezTo>
-                <a:cubicBezTo>
-                  <a:pt x="328374" y="2138231"/>
-                  <a:pt x="176210" y="2025184"/>
-                  <a:pt x="271715" y="2093402"/>
-                </a:cubicBezTo>
-                <a:cubicBezTo>
-                  <a:pt x="284369" y="2102441"/>
-                  <a:pt x="295702" y="2113393"/>
-                  <a:pt x="309037" y="2121394"/>
-                </a:cubicBezTo>
-                <a:cubicBezTo>
-                  <a:pt x="326928" y="2132128"/>
-                  <a:pt x="347661" y="2137813"/>
-                  <a:pt x="365021" y="2149386"/>
-                </a:cubicBezTo>
-                <a:cubicBezTo>
-                  <a:pt x="376000" y="2156706"/>
-                  <a:pt x="382275" y="2169708"/>
-                  <a:pt x="393013" y="2177378"/>
-                </a:cubicBezTo>
-                <a:cubicBezTo>
-                  <a:pt x="411930" y="2190890"/>
-                  <a:pt x="457623" y="2206093"/>
-                  <a:pt x="476988" y="2214700"/>
-                </a:cubicBezTo>
-                <a:cubicBezTo>
-                  <a:pt x="489699" y="2220349"/>
-                  <a:pt x="502234" y="2226461"/>
-                  <a:pt x="514311" y="2233362"/>
-                </a:cubicBezTo>
-                <a:cubicBezTo>
-                  <a:pt x="524047" y="2238926"/>
-                  <a:pt x="531996" y="2247606"/>
-                  <a:pt x="542303" y="2252023"/>
-                </a:cubicBezTo>
-                <a:cubicBezTo>
-                  <a:pt x="554090" y="2257074"/>
-                  <a:pt x="567184" y="2258243"/>
-                  <a:pt x="579625" y="2261353"/>
-                </a:cubicBezTo>
-                <a:cubicBezTo>
-                  <a:pt x="655643" y="2306964"/>
-                  <a:pt x="595517" y="2275477"/>
-                  <a:pt x="682262" y="2308006"/>
-                </a:cubicBezTo>
-                <a:cubicBezTo>
-                  <a:pt x="686322" y="2309528"/>
-                  <a:pt x="806921" y="2360049"/>
-                  <a:pt x="831552" y="2363990"/>
-                </a:cubicBezTo>
-                <a:cubicBezTo>
-                  <a:pt x="890226" y="2373378"/>
-                  <a:pt x="949804" y="2375840"/>
-                  <a:pt x="1008833" y="2382651"/>
-                </a:cubicBezTo>
-                <a:cubicBezTo>
-                  <a:pt x="1030681" y="2385172"/>
-                  <a:pt x="1052376" y="2388872"/>
-                  <a:pt x="1074148" y="2391982"/>
-                </a:cubicBezTo>
-                <a:cubicBezTo>
-                  <a:pt x="1173387" y="2373939"/>
-                  <a:pt x="1162673" y="2396004"/>
-                  <a:pt x="1214107" y="2335998"/>
-                </a:cubicBezTo>
-                <a:cubicBezTo>
-                  <a:pt x="1221405" y="2327484"/>
-                  <a:pt x="1226548" y="2317337"/>
-                  <a:pt x="1232768" y="2308006"/>
-                </a:cubicBezTo>
-                <a:cubicBezTo>
-                  <a:pt x="1238988" y="2286235"/>
-                  <a:pt x="1245471" y="2264537"/>
-                  <a:pt x="1251429" y="2242692"/>
-                </a:cubicBezTo>
-                <a:cubicBezTo>
-                  <a:pt x="1254803" y="2230320"/>
-                  <a:pt x="1260760" y="2218194"/>
-                  <a:pt x="1260760" y="2205370"/>
-                </a:cubicBezTo>
-                <a:cubicBezTo>
-                  <a:pt x="1260760" y="2155510"/>
-                  <a:pt x="1259205" y="2105330"/>
-                  <a:pt x="1251429" y="2056080"/>
-                </a:cubicBezTo>
-                <a:cubicBezTo>
-                  <a:pt x="1249680" y="2045003"/>
-                  <a:pt x="1238988" y="2037419"/>
-                  <a:pt x="1232768" y="2028088"/>
-                </a:cubicBezTo>
-                <a:cubicBezTo>
-                  <a:pt x="1229658" y="2015647"/>
-                  <a:pt x="1228489" y="2002553"/>
-                  <a:pt x="1223437" y="1990766"/>
-                </a:cubicBezTo>
-                <a:cubicBezTo>
-                  <a:pt x="1212682" y="1965672"/>
-                  <a:pt x="1199980" y="1956765"/>
-                  <a:pt x="1176784" y="1944113"/>
-                </a:cubicBezTo>
-                <a:cubicBezTo>
-                  <a:pt x="1152362" y="1930792"/>
-                  <a:pt x="1127021" y="1919231"/>
-                  <a:pt x="1102139" y="1906790"/>
-                </a:cubicBezTo>
-                <a:cubicBezTo>
-                  <a:pt x="1089698" y="1900570"/>
-                  <a:pt x="1078311" y="1891503"/>
-                  <a:pt x="1064817" y="1888129"/>
-                </a:cubicBezTo>
-                <a:cubicBezTo>
-                  <a:pt x="1003168" y="1872716"/>
-                  <a:pt x="1040220" y="1880388"/>
-                  <a:pt x="952850" y="1869468"/>
-                </a:cubicBezTo>
-                <a:cubicBezTo>
-                  <a:pt x="940409" y="1866358"/>
-                  <a:pt x="927314" y="1865189"/>
-                  <a:pt x="915527" y="1860137"/>
-                </a:cubicBezTo>
-                <a:cubicBezTo>
-                  <a:pt x="905220" y="1855720"/>
-                  <a:pt x="898354" y="1844427"/>
-                  <a:pt x="887535" y="1841476"/>
-                </a:cubicBezTo>
-                <a:cubicBezTo>
-                  <a:pt x="863343" y="1834878"/>
-                  <a:pt x="837772" y="1835255"/>
-                  <a:pt x="812890" y="1832145"/>
-                </a:cubicBezTo>
-                <a:cubicBezTo>
-                  <a:pt x="746132" y="1787639"/>
-                  <a:pt x="827909" y="1837625"/>
-                  <a:pt x="747576" y="1804153"/>
-                </a:cubicBezTo>
-                <a:cubicBezTo>
-                  <a:pt x="721897" y="1793454"/>
-                  <a:pt x="672931" y="1766831"/>
-                  <a:pt x="672931" y="1766831"/>
-                </a:cubicBezTo>
-                <a:cubicBezTo>
-                  <a:pt x="663600" y="1751280"/>
-                  <a:pt x="653623" y="1736099"/>
-                  <a:pt x="644939" y="1720178"/>
-                </a:cubicBezTo>
-                <a:cubicBezTo>
-                  <a:pt x="624887" y="1683415"/>
-                  <a:pt x="612311" y="1656109"/>
-                  <a:pt x="598286" y="1617541"/>
-                </a:cubicBezTo>
-                <a:cubicBezTo>
-                  <a:pt x="591564" y="1599055"/>
-                  <a:pt x="584801" y="1580535"/>
-                  <a:pt x="579625" y="1561557"/>
-                </a:cubicBezTo>
-                <a:cubicBezTo>
-                  <a:pt x="575452" y="1546257"/>
-                  <a:pt x="573405" y="1530455"/>
-                  <a:pt x="570295" y="1514904"/>
-                </a:cubicBezTo>
-                <a:cubicBezTo>
-                  <a:pt x="567185" y="1455810"/>
-                  <a:pt x="564544" y="1396690"/>
-                  <a:pt x="560964" y="1337623"/>
-                </a:cubicBezTo>
-                <a:cubicBezTo>
-                  <a:pt x="552118" y="1191662"/>
-                  <a:pt x="541233" y="1167461"/>
-                  <a:pt x="560964" y="1001721"/>
-                </a:cubicBezTo>
-                <a:cubicBezTo>
-                  <a:pt x="576931" y="867599"/>
-                  <a:pt x="590850" y="837416"/>
-                  <a:pt x="626278" y="731133"/>
-                </a:cubicBezTo>
-                <a:cubicBezTo>
-                  <a:pt x="631935" y="629314"/>
-                  <a:pt x="622196" y="581259"/>
-                  <a:pt x="654270" y="497868"/>
-                </a:cubicBezTo>
-                <a:cubicBezTo>
-                  <a:pt x="661760" y="478395"/>
-                  <a:pt x="672931" y="460545"/>
-                  <a:pt x="682262" y="441884"/>
-                </a:cubicBezTo>
-                <a:cubicBezTo>
-                  <a:pt x="685372" y="426333"/>
-                  <a:pt x="691593" y="411090"/>
-                  <a:pt x="691593" y="395231"/>
-                </a:cubicBezTo>
-                <a:cubicBezTo>
-                  <a:pt x="691593" y="292547"/>
-                  <a:pt x="695320" y="189171"/>
-                  <a:pt x="682262" y="87321"/>
-                </a:cubicBezTo>
-                <a:cubicBezTo>
-                  <a:pt x="676061" y="38958"/>
-                  <a:pt x="650176" y="31500"/>
-                  <a:pt x="616948" y="22006"/>
-                </a:cubicBezTo>
-                <a:cubicBezTo>
-                  <a:pt x="604618" y="18483"/>
-                  <a:pt x="592414" y="13623"/>
-                  <a:pt x="579625" y="12676"/>
-                </a:cubicBezTo>
-                <a:cubicBezTo>
-                  <a:pt x="508218" y="7387"/>
-                  <a:pt x="436556" y="6455"/>
-                  <a:pt x="365021" y="3345"/>
-                </a:cubicBezTo>
-                <a:cubicBezTo>
-                  <a:pt x="334079" y="-6968"/>
-                  <a:pt x="344805" y="9566"/>
-                  <a:pt x="327699" y="12676"/>
-                </a:cubicBezTo>
-                <a:close/>
-              </a:path>
-            </a:pathLst>
-          </a:custGeom>
-          <a:noFill/>
-          <a:ln w="38100">
-            <a:solidFill>
-              <a:srgbClr val="FF0000"/>
-            </a:solidFill>
-          </a:ln>
-        </p:spPr>
-        <p:style>
-          <a:lnRef idx="2">
-            <a:schemeClr val="accent1">
-              <a:shade val="15000"/>
-            </a:schemeClr>
-          </a:lnRef>
-          <a:fillRef idx="1">
-            <a:schemeClr val="accent1"/>
-          </a:fillRef>
-          <a:effectRef idx="0">
-            <a:schemeClr val="accent1"/>
-          </a:effectRef>
-          <a:fontRef idx="minor">
-            <a:schemeClr val="lt1"/>
-          </a:fontRef>
-        </p:style>
-        <p:txBody>
-          <a:bodyPr rtlCol="0" anchor="ctr"/>
-          <a:lstStyle/>
-          <a:p>
-            <a:pPr algn="ctr"/>
-            <a:endParaRPr lang="zh-TW" altLang="en-US"/>
-          </a:p>
-        </p:txBody>
-      </p:sp>
-      <p:sp>
-        <p:nvSpPr>
-          <p:cNvPr id="13" name="文字方塊 12">
-            <a:extLst>
-              <a:ext uri="{FF2B5EF4-FFF2-40B4-BE49-F238E27FC236}">
-                <a16:creationId xmlns:a16="http://schemas.microsoft.com/office/drawing/2014/main" id="{33906DB8-7780-E76F-7A94-96E228C9D838}"/>
-              </a:ext>
-            </a:extLst>
-          </p:cNvPr>
-          <p:cNvSpPr txBox="1"/>
-          <p:nvPr/>
-        </p:nvSpPr>
-        <p:spPr>
-          <a:xfrm>
-            <a:off x="8882743" y="5019968"/>
-            <a:ext cx="1679510" cy="461665"/>
-          </a:xfrm>
-          <a:prstGeom prst="rect">
-            <a:avLst/>
-          </a:prstGeom>
-          <a:noFill/>
-        </p:spPr>
-        <p:txBody>
-          <a:bodyPr wrap="square" rtlCol="0">
-            <a:spAutoFit/>
-          </a:bodyPr>
-          <a:lstStyle/>
-          <a:p>
-            <a:r>
-              <a:rPr lang="zh-TW" altLang="en-US" sz="2400" b="1" dirty="0">
-                <a:solidFill>
-                  <a:srgbClr val="FF0000"/>
-                </a:solidFill>
-              </a:rPr>
-              <a:t>更新權重</a:t>
-            </a:r>
-          </a:p>
-        </p:txBody>
-      </p:sp>
-      <p:pic>
-        <p:nvPicPr>
-          <p:cNvPr id="8" name="圖片 7" descr="一張含有 字型, 白色, 印刷術, 設計 的圖片&#10;&#10;自動產生的描述">
-            <a:extLst>
-              <a:ext uri="{FF2B5EF4-FFF2-40B4-BE49-F238E27FC236}">
-                <a16:creationId xmlns:a16="http://schemas.microsoft.com/office/drawing/2014/main" id="{F0C6A5F2-F0B7-7129-4DA9-E740548952AF}"/>
-              </a:ext>
-            </a:extLst>
-          </p:cNvPr>
-          <p:cNvPicPr>
-            <a:picLocks noChangeAspect="1"/>
-          </p:cNvPicPr>
-          <p:nvPr/>
-        </p:nvPicPr>
-        <p:blipFill>
-          <a:blip r:embed="rId5">
-            <a:extLst>
-              <a:ext uri="{28A0092B-C50C-407E-A947-70E740481C1C}">
-                <a14:useLocalDpi xmlns:a14="http://schemas.microsoft.com/office/drawing/2010/main" val="0"/>
-              </a:ext>
-            </a:extLst>
-          </a:blip>
-          <a:stretch>
-            <a:fillRect/>
-          </a:stretch>
-        </p:blipFill>
-        <p:spPr>
-          <a:xfrm>
-            <a:off x="8882743" y="5514305"/>
-            <a:ext cx="3116577" cy="712759"/>
-          </a:xfrm>
-          <a:prstGeom prst="rect">
-            <a:avLst/>
-          </a:prstGeom>
-        </p:spPr>
-      </p:pic>
-    </p:spTree>
-    <p:extLst>
-      <p:ext uri="{BB962C8B-B14F-4D97-AF65-F5344CB8AC3E}">
-        <p14:creationId xmlns:p14="http://schemas.microsoft.com/office/powerpoint/2010/main" val="2345063749"/>
-      </p:ext>
-    </p:extLst>
-  </p:cSld>
-  <p:clrMapOvr>
-    <a:masterClrMapping/>
-  </p:clrMapOvr>
-</p:sld>
-</file>
-
-<file path=ppt/slides/slide8.xml><?xml version="1.0" encoding="utf-8"?>
+<file path=ppt/slides/slide9.xml><?xml version="1.0" encoding="utf-8"?>
 <p:sld xmlns:a="http://schemas.openxmlformats.org/drawingml/2006/main" xmlns:r="http://schemas.openxmlformats.org/officeDocument/2006/relationships" xmlns:p="http://schemas.openxmlformats.org/presentationml/2006/main">
   <p:cSld>
     <p:spTree>
@@ -7660,94 +8442,85 @@
           </a:p>
         </p:txBody>
       </p:sp>
+      <p:sp>
+        <p:nvSpPr>
+          <p:cNvPr id="7" name="文字方塊 6">
+            <a:extLst>
+              <a:ext uri="{FF2B5EF4-FFF2-40B4-BE49-F238E27FC236}">
+                <a16:creationId xmlns:a16="http://schemas.microsoft.com/office/drawing/2014/main" id="{BB7BB2ED-F8E3-E499-CB39-3E58D1EFC812}"/>
+              </a:ext>
+            </a:extLst>
+          </p:cNvPr>
+          <p:cNvSpPr txBox="1"/>
+          <p:nvPr/>
+        </p:nvSpPr>
+        <p:spPr>
+          <a:xfrm flipH="1">
+            <a:off x="1114540" y="3244334"/>
+            <a:ext cx="1407913" cy="369332"/>
+          </a:xfrm>
+          <a:prstGeom prst="rect">
+            <a:avLst/>
+          </a:prstGeom>
+          <a:noFill/>
+        </p:spPr>
+        <p:txBody>
+          <a:bodyPr wrap="square" rtlCol="0">
+            <a:spAutoFit/>
+          </a:bodyPr>
+          <a:lstStyle/>
+          <a:p>
+            <a:r>
+              <a:rPr lang="en-US" altLang="zh-TW" dirty="0"/>
+              <a:t>100x100</a:t>
+            </a:r>
+            <a:endParaRPr lang="zh-TW" altLang="en-US" dirty="0"/>
+          </a:p>
+        </p:txBody>
+      </p:sp>
+      <p:sp>
+        <p:nvSpPr>
+          <p:cNvPr id="8" name="文字方塊 7">
+            <a:extLst>
+              <a:ext uri="{FF2B5EF4-FFF2-40B4-BE49-F238E27FC236}">
+                <a16:creationId xmlns:a16="http://schemas.microsoft.com/office/drawing/2014/main" id="{56808DC8-84AB-F925-5447-B7ED318C6ED9}"/>
+              </a:ext>
+            </a:extLst>
+          </p:cNvPr>
+          <p:cNvSpPr txBox="1"/>
+          <p:nvPr/>
+        </p:nvSpPr>
+        <p:spPr>
+          <a:xfrm flipH="1">
+            <a:off x="2722595" y="5438392"/>
+            <a:ext cx="1438858" cy="646331"/>
+          </a:xfrm>
+          <a:prstGeom prst="rect">
+            <a:avLst/>
+          </a:prstGeom>
+          <a:noFill/>
+        </p:spPr>
+        <p:txBody>
+          <a:bodyPr wrap="square" rtlCol="0">
+            <a:spAutoFit/>
+          </a:bodyPr>
+          <a:lstStyle/>
+          <a:p>
+            <a:r>
+              <a:rPr lang="en-US" altLang="zh-TW" dirty="0"/>
+              <a:t>100x100x3</a:t>
+            </a:r>
+            <a:r>
+              <a:rPr lang="zh-TW" altLang="en-US" dirty="0"/>
+              <a:t>個神經元</a:t>
+            </a:r>
+          </a:p>
+        </p:txBody>
+      </p:sp>
     </p:spTree>
     <p:extLst>
       <p:ext uri="{BB962C8B-B14F-4D97-AF65-F5344CB8AC3E}">
         <p14:creationId xmlns:p14="http://schemas.microsoft.com/office/powerpoint/2010/main" val="3425304062"/>
-      </p:ext>
-    </p:extLst>
-  </p:cSld>
-  <p:clrMapOvr>
-    <a:masterClrMapping/>
-  </p:clrMapOvr>
-</p:sld>
-</file>
-
-<file path=ppt/slides/slide9.xml><?xml version="1.0" encoding="utf-8"?>
-<p:sld xmlns:a="http://schemas.openxmlformats.org/drawingml/2006/main" xmlns:r="http://schemas.openxmlformats.org/officeDocument/2006/relationships" xmlns:p="http://schemas.openxmlformats.org/presentationml/2006/main">
-  <p:cSld>
-    <p:spTree>
-      <p:nvGrpSpPr>
-        <p:cNvPr id="1" name=""/>
-        <p:cNvGrpSpPr/>
-        <p:nvPr/>
-      </p:nvGrpSpPr>
-      <p:grpSpPr>
-        <a:xfrm>
-          <a:off x="0" y="0"/>
-          <a:ext cx="0" cy="0"/>
-          <a:chOff x="0" y="0"/>
-          <a:chExt cx="0" cy="0"/>
-        </a:xfrm>
-      </p:grpSpPr>
-      <p:sp>
-        <p:nvSpPr>
-          <p:cNvPr id="2" name="標題 1">
-            <a:extLst>
-              <a:ext uri="{FF2B5EF4-FFF2-40B4-BE49-F238E27FC236}">
-                <a16:creationId xmlns:a16="http://schemas.microsoft.com/office/drawing/2014/main" id="{3FE00BAA-A5B9-D04F-A4D2-3AAE5C189BC7}"/>
-              </a:ext>
-            </a:extLst>
-          </p:cNvPr>
-          <p:cNvSpPr>
-            <a:spLocks noGrp="1"/>
-          </p:cNvSpPr>
-          <p:nvPr>
-            <p:ph type="ctrTitle"/>
-          </p:nvPr>
-        </p:nvSpPr>
-        <p:spPr/>
-        <p:txBody>
-          <a:bodyPr/>
-          <a:lstStyle/>
-          <a:p>
-            <a:r>
-              <a:rPr lang="en-US" altLang="zh-TW" dirty="0"/>
-              <a:t>CNN</a:t>
-            </a:r>
-            <a:endParaRPr lang="zh-TW" altLang="en-US" dirty="0"/>
-          </a:p>
-        </p:txBody>
-      </p:sp>
-      <p:sp>
-        <p:nvSpPr>
-          <p:cNvPr id="3" name="副標題 2">
-            <a:extLst>
-              <a:ext uri="{FF2B5EF4-FFF2-40B4-BE49-F238E27FC236}">
-                <a16:creationId xmlns:a16="http://schemas.microsoft.com/office/drawing/2014/main" id="{17219E6B-86CD-BCAB-5508-F072E46C65B5}"/>
-              </a:ext>
-            </a:extLst>
-          </p:cNvPr>
-          <p:cNvSpPr>
-            <a:spLocks noGrp="1"/>
-          </p:cNvSpPr>
-          <p:nvPr>
-            <p:ph type="subTitle" idx="1"/>
-          </p:nvPr>
-        </p:nvSpPr>
-        <p:spPr/>
-        <p:txBody>
-          <a:bodyPr/>
-          <a:lstStyle/>
-          <a:p>
-            <a:endParaRPr lang="zh-TW" altLang="en-US"/>
-          </a:p>
-        </p:txBody>
-      </p:sp>
-    </p:spTree>
-    <p:extLst>
-      <p:ext uri="{BB962C8B-B14F-4D97-AF65-F5344CB8AC3E}">
-        <p14:creationId xmlns:p14="http://schemas.microsoft.com/office/powerpoint/2010/main" val="1668527552"/>
       </p:ext>
     </p:extLst>
   </p:cSld>
